--- a/Presentatie3.pptx
+++ b/Presentatie3.pptx
@@ -4,21 +4,29 @@
   <p:sldMasterIdLst>
     <p:sldMasterId id="2147483696" r:id="rId1"/>
   </p:sldMasterIdLst>
+  <p:notesMasterIdLst>
+    <p:notesMasterId r:id="rId21"/>
+  </p:notesMasterIdLst>
   <p:sldIdLst>
     <p:sldId id="256" r:id="rId2"/>
     <p:sldId id="257" r:id="rId3"/>
-    <p:sldId id="259" r:id="rId4"/>
-    <p:sldId id="264" r:id="rId5"/>
-    <p:sldId id="258" r:id="rId6"/>
-    <p:sldId id="262" r:id="rId7"/>
-    <p:sldId id="266" r:id="rId8"/>
-    <p:sldId id="267" r:id="rId9"/>
-    <p:sldId id="268" r:id="rId10"/>
-    <p:sldId id="270" r:id="rId11"/>
-    <p:sldId id="269" r:id="rId12"/>
-    <p:sldId id="271" r:id="rId13"/>
-    <p:sldId id="272" r:id="rId14"/>
-    <p:sldId id="273" r:id="rId15"/>
+    <p:sldId id="280" r:id="rId4"/>
+    <p:sldId id="259" r:id="rId5"/>
+    <p:sldId id="274" r:id="rId6"/>
+    <p:sldId id="258" r:id="rId7"/>
+    <p:sldId id="262" r:id="rId8"/>
+    <p:sldId id="266" r:id="rId9"/>
+    <p:sldId id="267" r:id="rId10"/>
+    <p:sldId id="268" r:id="rId11"/>
+    <p:sldId id="270" r:id="rId12"/>
+    <p:sldId id="269" r:id="rId13"/>
+    <p:sldId id="271" r:id="rId14"/>
+    <p:sldId id="272" r:id="rId15"/>
+    <p:sldId id="273" r:id="rId16"/>
+    <p:sldId id="278" r:id="rId17"/>
+    <p:sldId id="276" r:id="rId18"/>
+    <p:sldId id="277" r:id="rId19"/>
+    <p:sldId id="279" r:id="rId20"/>
   </p:sldIdLst>
   <p:sldSz cx="12192000" cy="6858000"/>
   <p:notesSz cx="6858000" cy="9144000"/>
@@ -119,10 +127,444 @@
   </p:defaultTextStyle>
   <p:extLst>
     <p:ext uri="{EFAFB233-063F-42B5-8137-9DF3F51BA10A}">
-      <p15:sldGuideLst xmlns:p15="http://schemas.microsoft.com/office/powerpoint/2012/main" xmlns=""/>
+      <p15:sldGuideLst xmlns:p15="http://schemas.microsoft.com/office/powerpoint/2012/main"/>
     </p:ext>
   </p:extLst>
 </p:presentation>
+</file>
+
+<file path=ppt/notesMasters/notesMaster1.xml><?xml version="1.0" encoding="utf-8"?>
+<p:notesMaster xmlns:a="http://schemas.openxmlformats.org/drawingml/2006/main" xmlns:r="http://schemas.openxmlformats.org/officeDocument/2006/relationships" xmlns:p="http://schemas.openxmlformats.org/presentationml/2006/main">
+  <p:cSld>
+    <p:bg>
+      <p:bgRef idx="1001">
+        <a:schemeClr val="bg1"/>
+      </p:bgRef>
+    </p:bg>
+    <p:spTree>
+      <p:nvGrpSpPr>
+        <p:cNvPr id="1" name=""/>
+        <p:cNvGrpSpPr/>
+        <p:nvPr/>
+      </p:nvGrpSpPr>
+      <p:grpSpPr>
+        <a:xfrm>
+          <a:off x="0" y="0"/>
+          <a:ext cx="0" cy="0"/>
+          <a:chOff x="0" y="0"/>
+          <a:chExt cx="0" cy="0"/>
+        </a:xfrm>
+      </p:grpSpPr>
+      <p:sp>
+        <p:nvSpPr>
+          <p:cNvPr id="2" name="Tijdelijke aanduiding voor koptekst 1"/>
+          <p:cNvSpPr>
+            <a:spLocks noGrp="1"/>
+          </p:cNvSpPr>
+          <p:nvPr>
+            <p:ph type="hdr" sz="quarter"/>
+          </p:nvPr>
+        </p:nvSpPr>
+        <p:spPr>
+          <a:xfrm>
+            <a:off x="0" y="0"/>
+            <a:ext cx="2971800" cy="458788"/>
+          </a:xfrm>
+          <a:prstGeom prst="rect">
+            <a:avLst/>
+          </a:prstGeom>
+        </p:spPr>
+        <p:txBody>
+          <a:bodyPr vert="horz" lIns="91440" tIns="45720" rIns="91440" bIns="45720" rtlCol="0"/>
+          <a:lstStyle>
+            <a:lvl1pPr algn="l">
+              <a:defRPr sz="1200"/>
+            </a:lvl1pPr>
+          </a:lstStyle>
+          <a:p>
+            <a:endParaRPr lang="nl-NL"/>
+          </a:p>
+        </p:txBody>
+      </p:sp>
+      <p:sp>
+        <p:nvSpPr>
+          <p:cNvPr id="3" name="Tijdelijke aanduiding voor datum 2"/>
+          <p:cNvSpPr>
+            <a:spLocks noGrp="1"/>
+          </p:cNvSpPr>
+          <p:nvPr>
+            <p:ph type="dt" idx="1"/>
+          </p:nvPr>
+        </p:nvSpPr>
+        <p:spPr>
+          <a:xfrm>
+            <a:off x="3884613" y="0"/>
+            <a:ext cx="2971800" cy="458788"/>
+          </a:xfrm>
+          <a:prstGeom prst="rect">
+            <a:avLst/>
+          </a:prstGeom>
+        </p:spPr>
+        <p:txBody>
+          <a:bodyPr vert="horz" lIns="91440" tIns="45720" rIns="91440" bIns="45720" rtlCol="0"/>
+          <a:lstStyle>
+            <a:lvl1pPr algn="r">
+              <a:defRPr sz="1200"/>
+            </a:lvl1pPr>
+          </a:lstStyle>
+          <a:p>
+            <a:fld id="{62D49EE0-DF4E-4549-8CAC-0625663090FC}" type="datetimeFigureOut">
+              <a:rPr lang="nl-NL" smtClean="0"/>
+              <a:t>14-12-2015</a:t>
+            </a:fld>
+            <a:endParaRPr lang="nl-NL"/>
+          </a:p>
+        </p:txBody>
+      </p:sp>
+      <p:sp>
+        <p:nvSpPr>
+          <p:cNvPr id="4" name="Tijdelijke aanduiding voor dia-afbeelding 3"/>
+          <p:cNvSpPr>
+            <a:spLocks noGrp="1" noRot="1" noChangeAspect="1"/>
+          </p:cNvSpPr>
+          <p:nvPr>
+            <p:ph type="sldImg" idx="2"/>
+          </p:nvPr>
+        </p:nvSpPr>
+        <p:spPr>
+          <a:xfrm>
+            <a:off x="685800" y="1143000"/>
+            <a:ext cx="5486400" cy="3086100"/>
+          </a:xfrm>
+          <a:prstGeom prst="rect">
+            <a:avLst/>
+          </a:prstGeom>
+          <a:noFill/>
+          <a:ln w="12700">
+            <a:solidFill>
+              <a:prstClr val="black"/>
+            </a:solidFill>
+          </a:ln>
+        </p:spPr>
+        <p:txBody>
+          <a:bodyPr vert="horz" lIns="91440" tIns="45720" rIns="91440" bIns="45720" rtlCol="0" anchor="ctr"/>
+          <a:lstStyle/>
+          <a:p>
+            <a:endParaRPr lang="nl-NL"/>
+          </a:p>
+        </p:txBody>
+      </p:sp>
+      <p:sp>
+        <p:nvSpPr>
+          <p:cNvPr id="5" name="Tijdelijke aanduiding voor notities 4"/>
+          <p:cNvSpPr>
+            <a:spLocks noGrp="1"/>
+          </p:cNvSpPr>
+          <p:nvPr>
+            <p:ph type="body" sz="quarter" idx="3"/>
+          </p:nvPr>
+        </p:nvSpPr>
+        <p:spPr>
+          <a:xfrm>
+            <a:off x="685800" y="4400550"/>
+            <a:ext cx="5486400" cy="3600450"/>
+          </a:xfrm>
+          <a:prstGeom prst="rect">
+            <a:avLst/>
+          </a:prstGeom>
+        </p:spPr>
+        <p:txBody>
+          <a:bodyPr vert="horz" lIns="91440" tIns="45720" rIns="91440" bIns="45720" rtlCol="0"/>
+          <a:lstStyle/>
+          <a:p>
+            <a:pPr lvl="0"/>
+            <a:r>
+              <a:rPr lang="nl-NL" smtClean="0"/>
+              <a:t>Klik om de modelstijlen te bewerken</a:t>
+            </a:r>
+          </a:p>
+          <a:p>
+            <a:pPr lvl="1"/>
+            <a:r>
+              <a:rPr lang="nl-NL" smtClean="0"/>
+              <a:t>Tweede niveau</a:t>
+            </a:r>
+          </a:p>
+          <a:p>
+            <a:pPr lvl="2"/>
+            <a:r>
+              <a:rPr lang="nl-NL" smtClean="0"/>
+              <a:t>Derde niveau</a:t>
+            </a:r>
+          </a:p>
+          <a:p>
+            <a:pPr lvl="3"/>
+            <a:r>
+              <a:rPr lang="nl-NL" smtClean="0"/>
+              <a:t>Vierde niveau</a:t>
+            </a:r>
+          </a:p>
+          <a:p>
+            <a:pPr lvl="4"/>
+            <a:r>
+              <a:rPr lang="nl-NL" smtClean="0"/>
+              <a:t>Vijfde niveau</a:t>
+            </a:r>
+            <a:endParaRPr lang="nl-NL"/>
+          </a:p>
+        </p:txBody>
+      </p:sp>
+      <p:sp>
+        <p:nvSpPr>
+          <p:cNvPr id="6" name="Tijdelijke aanduiding voor voettekst 5"/>
+          <p:cNvSpPr>
+            <a:spLocks noGrp="1"/>
+          </p:cNvSpPr>
+          <p:nvPr>
+            <p:ph type="ftr" sz="quarter" idx="4"/>
+          </p:nvPr>
+        </p:nvSpPr>
+        <p:spPr>
+          <a:xfrm>
+            <a:off x="0" y="8685213"/>
+            <a:ext cx="2971800" cy="458787"/>
+          </a:xfrm>
+          <a:prstGeom prst="rect">
+            <a:avLst/>
+          </a:prstGeom>
+        </p:spPr>
+        <p:txBody>
+          <a:bodyPr vert="horz" lIns="91440" tIns="45720" rIns="91440" bIns="45720" rtlCol="0" anchor="b"/>
+          <a:lstStyle>
+            <a:lvl1pPr algn="l">
+              <a:defRPr sz="1200"/>
+            </a:lvl1pPr>
+          </a:lstStyle>
+          <a:p>
+            <a:endParaRPr lang="nl-NL"/>
+          </a:p>
+        </p:txBody>
+      </p:sp>
+      <p:sp>
+        <p:nvSpPr>
+          <p:cNvPr id="7" name="Tijdelijke aanduiding voor dianummer 6"/>
+          <p:cNvSpPr>
+            <a:spLocks noGrp="1"/>
+          </p:cNvSpPr>
+          <p:nvPr>
+            <p:ph type="sldNum" sz="quarter" idx="5"/>
+          </p:nvPr>
+        </p:nvSpPr>
+        <p:spPr>
+          <a:xfrm>
+            <a:off x="3884613" y="8685213"/>
+            <a:ext cx="2971800" cy="458787"/>
+          </a:xfrm>
+          <a:prstGeom prst="rect">
+            <a:avLst/>
+          </a:prstGeom>
+        </p:spPr>
+        <p:txBody>
+          <a:bodyPr vert="horz" lIns="91440" tIns="45720" rIns="91440" bIns="45720" rtlCol="0" anchor="b"/>
+          <a:lstStyle>
+            <a:lvl1pPr algn="r">
+              <a:defRPr sz="1200"/>
+            </a:lvl1pPr>
+          </a:lstStyle>
+          <a:p>
+            <a:fld id="{6A323E85-0294-412A-BFF8-2F76CFE82025}" type="slidenum">
+              <a:rPr lang="nl-NL" smtClean="0"/>
+              <a:t>‹nr.›</a:t>
+            </a:fld>
+            <a:endParaRPr lang="nl-NL"/>
+          </a:p>
+        </p:txBody>
+      </p:sp>
+    </p:spTree>
+    <p:extLst>
+      <p:ext uri="{BB962C8B-B14F-4D97-AF65-F5344CB8AC3E}">
+        <p14:creationId xmlns:p14="http://schemas.microsoft.com/office/powerpoint/2010/main" val="1904079414"/>
+      </p:ext>
+    </p:extLst>
+  </p:cSld>
+  <p:clrMap bg1="lt1" tx1="dk1" bg2="lt2" tx2="dk2" accent1="accent1" accent2="accent2" accent3="accent3" accent4="accent4" accent5="accent5" accent6="accent6" hlink="hlink" folHlink="folHlink"/>
+  <p:notesStyle>
+    <a:lvl1pPr marL="0" algn="l" defTabSz="914400" rtl="0" eaLnBrk="1" latinLnBrk="0" hangingPunct="1">
+      <a:defRPr sz="1200" kern="1200">
+        <a:solidFill>
+          <a:schemeClr val="tx1"/>
+        </a:solidFill>
+        <a:latin typeface="+mn-lt"/>
+        <a:ea typeface="+mn-ea"/>
+        <a:cs typeface="+mn-cs"/>
+      </a:defRPr>
+    </a:lvl1pPr>
+    <a:lvl2pPr marL="457200" algn="l" defTabSz="914400" rtl="0" eaLnBrk="1" latinLnBrk="0" hangingPunct="1">
+      <a:defRPr sz="1200" kern="1200">
+        <a:solidFill>
+          <a:schemeClr val="tx1"/>
+        </a:solidFill>
+        <a:latin typeface="+mn-lt"/>
+        <a:ea typeface="+mn-ea"/>
+        <a:cs typeface="+mn-cs"/>
+      </a:defRPr>
+    </a:lvl2pPr>
+    <a:lvl3pPr marL="914400" algn="l" defTabSz="914400" rtl="0" eaLnBrk="1" latinLnBrk="0" hangingPunct="1">
+      <a:defRPr sz="1200" kern="1200">
+        <a:solidFill>
+          <a:schemeClr val="tx1"/>
+        </a:solidFill>
+        <a:latin typeface="+mn-lt"/>
+        <a:ea typeface="+mn-ea"/>
+        <a:cs typeface="+mn-cs"/>
+      </a:defRPr>
+    </a:lvl3pPr>
+    <a:lvl4pPr marL="1371600" algn="l" defTabSz="914400" rtl="0" eaLnBrk="1" latinLnBrk="0" hangingPunct="1">
+      <a:defRPr sz="1200" kern="1200">
+        <a:solidFill>
+          <a:schemeClr val="tx1"/>
+        </a:solidFill>
+        <a:latin typeface="+mn-lt"/>
+        <a:ea typeface="+mn-ea"/>
+        <a:cs typeface="+mn-cs"/>
+      </a:defRPr>
+    </a:lvl4pPr>
+    <a:lvl5pPr marL="1828800" algn="l" defTabSz="914400" rtl="0" eaLnBrk="1" latinLnBrk="0" hangingPunct="1">
+      <a:defRPr sz="1200" kern="1200">
+        <a:solidFill>
+          <a:schemeClr val="tx1"/>
+        </a:solidFill>
+        <a:latin typeface="+mn-lt"/>
+        <a:ea typeface="+mn-ea"/>
+        <a:cs typeface="+mn-cs"/>
+      </a:defRPr>
+    </a:lvl5pPr>
+    <a:lvl6pPr marL="2286000" algn="l" defTabSz="914400" rtl="0" eaLnBrk="1" latinLnBrk="0" hangingPunct="1">
+      <a:defRPr sz="1200" kern="1200">
+        <a:solidFill>
+          <a:schemeClr val="tx1"/>
+        </a:solidFill>
+        <a:latin typeface="+mn-lt"/>
+        <a:ea typeface="+mn-ea"/>
+        <a:cs typeface="+mn-cs"/>
+      </a:defRPr>
+    </a:lvl6pPr>
+    <a:lvl7pPr marL="2743200" algn="l" defTabSz="914400" rtl="0" eaLnBrk="1" latinLnBrk="0" hangingPunct="1">
+      <a:defRPr sz="1200" kern="1200">
+        <a:solidFill>
+          <a:schemeClr val="tx1"/>
+        </a:solidFill>
+        <a:latin typeface="+mn-lt"/>
+        <a:ea typeface="+mn-ea"/>
+        <a:cs typeface="+mn-cs"/>
+      </a:defRPr>
+    </a:lvl7pPr>
+    <a:lvl8pPr marL="3200400" algn="l" defTabSz="914400" rtl="0" eaLnBrk="1" latinLnBrk="0" hangingPunct="1">
+      <a:defRPr sz="1200" kern="1200">
+        <a:solidFill>
+          <a:schemeClr val="tx1"/>
+        </a:solidFill>
+        <a:latin typeface="+mn-lt"/>
+        <a:ea typeface="+mn-ea"/>
+        <a:cs typeface="+mn-cs"/>
+      </a:defRPr>
+    </a:lvl8pPr>
+    <a:lvl9pPr marL="3657600" algn="l" defTabSz="914400" rtl="0" eaLnBrk="1" latinLnBrk="0" hangingPunct="1">
+      <a:defRPr sz="1200" kern="1200">
+        <a:solidFill>
+          <a:schemeClr val="tx1"/>
+        </a:solidFill>
+        <a:latin typeface="+mn-lt"/>
+        <a:ea typeface="+mn-ea"/>
+        <a:cs typeface="+mn-cs"/>
+      </a:defRPr>
+    </a:lvl9pPr>
+  </p:notesStyle>
+</p:notesMaster>
+</file>
+
+<file path=ppt/notesSlides/notesSlide1.xml><?xml version="1.0" encoding="utf-8"?>
+<p:notes xmlns:a="http://schemas.openxmlformats.org/drawingml/2006/main" xmlns:r="http://schemas.openxmlformats.org/officeDocument/2006/relationships" xmlns:p="http://schemas.openxmlformats.org/presentationml/2006/main">
+  <p:cSld>
+    <p:spTree>
+      <p:nvGrpSpPr>
+        <p:cNvPr id="1" name=""/>
+        <p:cNvGrpSpPr/>
+        <p:nvPr/>
+      </p:nvGrpSpPr>
+      <p:grpSpPr>
+        <a:xfrm>
+          <a:off x="0" y="0"/>
+          <a:ext cx="0" cy="0"/>
+          <a:chOff x="0" y="0"/>
+          <a:chExt cx="0" cy="0"/>
+        </a:xfrm>
+      </p:grpSpPr>
+      <p:sp>
+        <p:nvSpPr>
+          <p:cNvPr id="2" name="Tijdelijke aanduiding voor dia-afbeelding 1"/>
+          <p:cNvSpPr>
+            <a:spLocks noGrp="1" noRot="1" noChangeAspect="1"/>
+          </p:cNvSpPr>
+          <p:nvPr>
+            <p:ph type="sldImg"/>
+          </p:nvPr>
+        </p:nvSpPr>
+        <p:spPr/>
+      </p:sp>
+      <p:sp>
+        <p:nvSpPr>
+          <p:cNvPr id="3" name="Tijdelijke aanduiding voor notities 2"/>
+          <p:cNvSpPr>
+            <a:spLocks noGrp="1"/>
+          </p:cNvSpPr>
+          <p:nvPr>
+            <p:ph type="body" idx="1"/>
+          </p:nvPr>
+        </p:nvSpPr>
+        <p:spPr/>
+        <p:txBody>
+          <a:bodyPr/>
+          <a:lstStyle/>
+          <a:p>
+            <a:endParaRPr lang="nl-NL"/>
+          </a:p>
+        </p:txBody>
+      </p:sp>
+      <p:sp>
+        <p:nvSpPr>
+          <p:cNvPr id="4" name="Tijdelijke aanduiding voor dianummer 3"/>
+          <p:cNvSpPr>
+            <a:spLocks noGrp="1"/>
+          </p:cNvSpPr>
+          <p:nvPr>
+            <p:ph type="sldNum" sz="quarter" idx="10"/>
+          </p:nvPr>
+        </p:nvSpPr>
+        <p:spPr/>
+        <p:txBody>
+          <a:bodyPr/>
+          <a:lstStyle/>
+          <a:p>
+            <a:fld id="{6A323E85-0294-412A-BFF8-2F76CFE82025}" type="slidenum">
+              <a:rPr lang="nl-NL" smtClean="0"/>
+              <a:t>16</a:t>
+            </a:fld>
+            <a:endParaRPr lang="nl-NL"/>
+          </a:p>
+        </p:txBody>
+      </p:sp>
+    </p:spTree>
+    <p:extLst>
+      <p:ext uri="{BB962C8B-B14F-4D97-AF65-F5344CB8AC3E}">
+        <p14:creationId xmlns:p14="http://schemas.microsoft.com/office/powerpoint/2010/main" val="1008233840"/>
+      </p:ext>
+    </p:extLst>
+  </p:cSld>
+  <p:clrMapOvr>
+    <a:masterClrMapping/>
+  </p:clrMapOvr>
+</p:notes>
 </file>
 
 <file path=ppt/slideLayouts/slideLayout1.xml><?xml version="1.0" encoding="utf-8"?>
@@ -256,7 +698,7 @@
           <a:p>
             <a:fld id="{925B6A85-D569-45BD-ADB5-8939911049EA}" type="datetimeFigureOut">
               <a:rPr lang="nl-NL" smtClean="0"/>
-              <a:t>11-12-2015</a:t>
+              <a:t>14-12-2015</a:t>
             </a:fld>
             <a:endParaRPr lang="nl-NL"/>
           </a:p>
@@ -426,7 +868,7 @@
           <a:p>
             <a:fld id="{925B6A85-D569-45BD-ADB5-8939911049EA}" type="datetimeFigureOut">
               <a:rPr lang="nl-NL" smtClean="0"/>
-              <a:t>11-12-2015</a:t>
+              <a:t>14-12-2015</a:t>
             </a:fld>
             <a:endParaRPr lang="nl-NL"/>
           </a:p>
@@ -606,7 +1048,7 @@
           <a:p>
             <a:fld id="{925B6A85-D569-45BD-ADB5-8939911049EA}" type="datetimeFigureOut">
               <a:rPr lang="nl-NL" smtClean="0"/>
-              <a:t>11-12-2015</a:t>
+              <a:t>14-12-2015</a:t>
             </a:fld>
             <a:endParaRPr lang="nl-NL"/>
           </a:p>
@@ -776,7 +1218,7 @@
           <a:p>
             <a:fld id="{925B6A85-D569-45BD-ADB5-8939911049EA}" type="datetimeFigureOut">
               <a:rPr lang="nl-NL" smtClean="0"/>
-              <a:t>11-12-2015</a:t>
+              <a:t>14-12-2015</a:t>
             </a:fld>
             <a:endParaRPr lang="nl-NL"/>
           </a:p>
@@ -1022,7 +1464,7 @@
           <a:p>
             <a:fld id="{925B6A85-D569-45BD-ADB5-8939911049EA}" type="datetimeFigureOut">
               <a:rPr lang="nl-NL" smtClean="0"/>
-              <a:t>11-12-2015</a:t>
+              <a:t>14-12-2015</a:t>
             </a:fld>
             <a:endParaRPr lang="nl-NL"/>
           </a:p>
@@ -1254,7 +1696,7 @@
           <a:p>
             <a:fld id="{925B6A85-D569-45BD-ADB5-8939911049EA}" type="datetimeFigureOut">
               <a:rPr lang="nl-NL" smtClean="0"/>
-              <a:t>11-12-2015</a:t>
+              <a:t>14-12-2015</a:t>
             </a:fld>
             <a:endParaRPr lang="nl-NL"/>
           </a:p>
@@ -1621,7 +2063,7 @@
           <a:p>
             <a:fld id="{925B6A85-D569-45BD-ADB5-8939911049EA}" type="datetimeFigureOut">
               <a:rPr lang="nl-NL" smtClean="0"/>
-              <a:t>11-12-2015</a:t>
+              <a:t>14-12-2015</a:t>
             </a:fld>
             <a:endParaRPr lang="nl-NL"/>
           </a:p>
@@ -1739,7 +2181,7 @@
           <a:p>
             <a:fld id="{925B6A85-D569-45BD-ADB5-8939911049EA}" type="datetimeFigureOut">
               <a:rPr lang="nl-NL" smtClean="0"/>
-              <a:t>11-12-2015</a:t>
+              <a:t>14-12-2015</a:t>
             </a:fld>
             <a:endParaRPr lang="nl-NL"/>
           </a:p>
@@ -1834,7 +2276,7 @@
           <a:p>
             <a:fld id="{925B6A85-D569-45BD-ADB5-8939911049EA}" type="datetimeFigureOut">
               <a:rPr lang="nl-NL" smtClean="0"/>
-              <a:t>11-12-2015</a:t>
+              <a:t>14-12-2015</a:t>
             </a:fld>
             <a:endParaRPr lang="nl-NL"/>
           </a:p>
@@ -2111,7 +2553,7 @@
           <a:p>
             <a:fld id="{925B6A85-D569-45BD-ADB5-8939911049EA}" type="datetimeFigureOut">
               <a:rPr lang="nl-NL" smtClean="0"/>
-              <a:t>11-12-2015</a:t>
+              <a:t>14-12-2015</a:t>
             </a:fld>
             <a:endParaRPr lang="nl-NL"/>
           </a:p>
@@ -2368,7 +2810,7 @@
           <a:p>
             <a:fld id="{925B6A85-D569-45BD-ADB5-8939911049EA}" type="datetimeFigureOut">
               <a:rPr lang="nl-NL" smtClean="0"/>
-              <a:t>11-12-2015</a:t>
+              <a:t>14-12-2015</a:t>
             </a:fld>
             <a:endParaRPr lang="nl-NL"/>
           </a:p>
@@ -2581,7 +3023,7 @@
           <a:p>
             <a:fld id="{925B6A85-D569-45BD-ADB5-8939911049EA}" type="datetimeFigureOut">
               <a:rPr lang="nl-NL" smtClean="0"/>
-              <a:t>11-12-2015</a:t>
+              <a:t>14-12-2015</a:t>
             </a:fld>
             <a:endParaRPr lang="nl-NL"/>
           </a:p>
@@ -2996,45 +3438,58 @@
             <p:ph type="ctrTitle"/>
           </p:nvPr>
         </p:nvSpPr>
-        <p:spPr/>
+        <p:spPr>
+          <a:xfrm>
+            <a:off x="1499936" y="1551323"/>
+            <a:ext cx="9144000" cy="1428750"/>
+          </a:xfrm>
+        </p:spPr>
+        <p:txBody>
+          <a:bodyPr>
+            <a:normAutofit/>
+          </a:bodyPr>
+          <a:lstStyle/>
+          <a:p>
+            <a:pPr algn="l"/>
+            <a:r>
+              <a:rPr lang="nl-NL" dirty="0" smtClean="0"/>
+              <a:t>					Tegelzetten</a:t>
+            </a:r>
+            <a:endParaRPr lang="nl-NL" dirty="0"/>
+          </a:p>
+        </p:txBody>
+      </p:sp>
+      <p:sp>
+        <p:nvSpPr>
+          <p:cNvPr id="3" name="Ondertitel 2"/>
+          <p:cNvSpPr>
+            <a:spLocks noGrp="1"/>
+          </p:cNvSpPr>
+          <p:nvPr>
+            <p:ph type="subTitle" idx="1"/>
+          </p:nvPr>
+        </p:nvSpPr>
+        <p:spPr>
+          <a:xfrm>
+            <a:off x="1499936" y="3409074"/>
+            <a:ext cx="9144000" cy="1672389"/>
+          </a:xfrm>
+        </p:spPr>
         <p:txBody>
           <a:bodyPr/>
           <a:lstStyle/>
           <a:p>
+            <a:pPr algn="l"/>
             <a:r>
               <a:rPr lang="nl-NL" dirty="0" smtClean="0"/>
-              <a:t>Tegelzetten</a:t>
-            </a:r>
-            <a:endParaRPr lang="nl-NL" dirty="0"/>
-          </a:p>
-        </p:txBody>
-      </p:sp>
-      <p:sp>
-        <p:nvSpPr>
-          <p:cNvPr id="3" name="Ondertitel 2"/>
-          <p:cNvSpPr>
-            <a:spLocks noGrp="1"/>
-          </p:cNvSpPr>
-          <p:nvPr>
-            <p:ph type="subTitle" idx="1"/>
-          </p:nvPr>
-        </p:nvSpPr>
-        <p:spPr>
-          <a:xfrm>
-            <a:off x="1367590" y="4295274"/>
-            <a:ext cx="9144000" cy="1672389"/>
-          </a:xfrm>
-        </p:spPr>
-        <p:txBody>
-          <a:bodyPr/>
-          <a:lstStyle/>
-          <a:p>
+              <a:t>					</a:t>
+            </a:r>
             <a:r>
               <a:rPr lang="nl-NL" dirty="0" err="1" smtClean="0"/>
               <a:t>Lonnie</a:t>
             </a:r>
             <a:r>
-              <a:rPr lang="nl-NL" dirty="0"/>
+              <a:rPr lang="nl-NL" dirty="0" smtClean="0"/>
               <a:t> </a:t>
             </a:r>
             <a:r>
@@ -3044,20 +3499,54 @@
             <a:endParaRPr lang="nl-NL" dirty="0" smtClean="0"/>
           </a:p>
           <a:p>
+            <a:pPr algn="l"/>
             <a:r>
               <a:rPr lang="nl-NL" dirty="0" smtClean="0"/>
-              <a:t>Kriek van der Meulen</a:t>
-            </a:r>
-          </a:p>
-          <a:p>
+              <a:t>					Kriek </a:t>
+            </a:r>
             <a:r>
               <a:rPr lang="nl-NL" dirty="0" smtClean="0"/>
-              <a:t>Rosanne van der Pol</a:t>
+              <a:t>van der Meulen</a:t>
+            </a:r>
+          </a:p>
+          <a:p>
+            <a:pPr algn="l"/>
+            <a:r>
+              <a:rPr lang="nl-NL" dirty="0" smtClean="0"/>
+              <a:t>					Rosanne </a:t>
+            </a:r>
+            <a:r>
+              <a:rPr lang="nl-NL" dirty="0" smtClean="0"/>
+              <a:t>van der Pol</a:t>
             </a:r>
             <a:endParaRPr lang="nl-NL" dirty="0"/>
           </a:p>
         </p:txBody>
       </p:sp>
+      <p:pic>
+        <p:nvPicPr>
+          <p:cNvPr id="4" name="Afbeelding 3"/>
+          <p:cNvPicPr>
+            <a:picLocks noChangeAspect="1"/>
+          </p:cNvPicPr>
+          <p:nvPr/>
+        </p:nvPicPr>
+        <p:blipFill>
+          <a:blip r:embed="rId2"/>
+          <a:stretch>
+            <a:fillRect/>
+          </a:stretch>
+        </p:blipFill>
+        <p:spPr>
+          <a:xfrm>
+            <a:off x="1499936" y="1551323"/>
+            <a:ext cx="3959141" cy="3959141"/>
+          </a:xfrm>
+          <a:prstGeom prst="rect">
+            <a:avLst/>
+          </a:prstGeom>
+        </p:spPr>
+      </p:pic>
     </p:spTree>
     <p:extLst>
       <p:ext uri="{BB962C8B-B14F-4D97-AF65-F5344CB8AC3E}">
@@ -3095,45 +3584,133 @@
           <a:chExt cx="0" cy="0"/>
         </a:xfrm>
       </p:grpSpPr>
+      <p:sp>
+        <p:nvSpPr>
+          <p:cNvPr id="2" name="Titel 1"/>
+          <p:cNvSpPr>
+            <a:spLocks noGrp="1"/>
+          </p:cNvSpPr>
+          <p:nvPr>
+            <p:ph type="title"/>
+          </p:nvPr>
+        </p:nvSpPr>
+        <p:spPr/>
+        <p:txBody>
+          <a:bodyPr/>
+          <a:lstStyle/>
+          <a:p>
+            <a:pPr algn="ctr"/>
+            <a:r>
+              <a:rPr lang="nl-NL" dirty="0" smtClean="0"/>
+              <a:t>Oplossing bord 2 – </a:t>
+            </a:r>
+            <a:r>
+              <a:rPr lang="nl-NL" dirty="0" err="1" smtClean="0"/>
+              <a:t>depth</a:t>
+            </a:r>
+            <a:r>
+              <a:rPr lang="nl-NL" dirty="0" smtClean="0"/>
+              <a:t> first</a:t>
+            </a:r>
+            <a:endParaRPr lang="nl-NL" dirty="0"/>
+          </a:p>
+        </p:txBody>
+      </p:sp>
+      <p:sp>
+        <p:nvSpPr>
+          <p:cNvPr id="3" name="Tijdelijke aanduiding voor inhoud 2"/>
+          <p:cNvSpPr>
+            <a:spLocks noGrp="1"/>
+          </p:cNvSpPr>
+          <p:nvPr>
+            <p:ph idx="1"/>
+          </p:nvPr>
+        </p:nvSpPr>
+        <p:spPr>
+          <a:xfrm>
+            <a:off x="1185111" y="2018934"/>
+            <a:ext cx="4395537" cy="3936698"/>
+          </a:xfrm>
+        </p:spPr>
+        <p:txBody>
+          <a:bodyPr>
+            <a:normAutofit lnSpcReduction="10000"/>
+          </a:bodyPr>
+          <a:lstStyle/>
+          <a:p>
+            <a:pPr marL="0" indent="0">
+              <a:buNone/>
+            </a:pPr>
+            <a:r>
+              <a:rPr lang="nl-NL" sz="3600" dirty="0" smtClean="0"/>
+              <a:t>Tijd: 16 </a:t>
+            </a:r>
+            <a:r>
+              <a:rPr lang="nl-NL" sz="3600" dirty="0" smtClean="0"/>
+              <a:t>seconden</a:t>
+            </a:r>
+          </a:p>
+          <a:p>
+            <a:pPr marL="0" indent="0">
+              <a:buNone/>
+            </a:pPr>
+            <a:endParaRPr lang="nl-NL" sz="3600" dirty="0"/>
+          </a:p>
+          <a:p>
+            <a:pPr marL="0" indent="0">
+              <a:buNone/>
+            </a:pPr>
+            <a:r>
+              <a:rPr lang="nl-NL" sz="3600" dirty="0" smtClean="0"/>
+              <a:t>Iteraties met draaien:</a:t>
+            </a:r>
+          </a:p>
+          <a:p>
+            <a:pPr marL="0" indent="0">
+              <a:buNone/>
+            </a:pPr>
+            <a:r>
+              <a:rPr lang="nl-NL" sz="3600" dirty="0" smtClean="0"/>
+              <a:t>797005</a:t>
+            </a:r>
+          </a:p>
+          <a:p>
+            <a:pPr marL="0" indent="0">
+              <a:buNone/>
+            </a:pPr>
+            <a:endParaRPr lang="nl-NL" sz="3600" dirty="0"/>
+          </a:p>
+          <a:p>
+            <a:pPr marL="0" indent="0">
+              <a:buNone/>
+            </a:pPr>
+            <a:r>
+              <a:rPr lang="nl-NL" sz="3600" dirty="0" smtClean="0"/>
+              <a:t>Oplossingen: </a:t>
+            </a:r>
+          </a:p>
+          <a:p>
+            <a:pPr marL="0" indent="0">
+              <a:buNone/>
+            </a:pPr>
+            <a:r>
+              <a:rPr lang="nl-NL" sz="3600" dirty="0" smtClean="0"/>
+              <a:t>224</a:t>
+            </a:r>
+            <a:endParaRPr lang="nl-NL" sz="3600" dirty="0"/>
+          </a:p>
+        </p:txBody>
+      </p:sp>
       <p:pic>
         <p:nvPicPr>
-          <p:cNvPr id="4" name="Afbeelding 3"/>
-          <p:cNvPicPr>
-            <a:picLocks noChangeAspect="1"/>
-          </p:cNvPicPr>
-          <p:nvPr/>
-        </p:nvPicPr>
-        <p:blipFill rotWithShape="1">
-          <a:blip r:embed="rId2">
-            <a:extLst>
-              <a:ext uri="{28A0092B-C50C-407E-A947-70E740481C1C}">
-                <a14:useLocalDpi xmlns:a14="http://schemas.microsoft.com/office/drawing/2010/main" val="0"/>
-              </a:ext>
-            </a:extLst>
-          </a:blip>
-          <a:srcRect t="5746" b="16552"/>
-          <a:stretch/>
-        </p:blipFill>
-        <p:spPr>
-          <a:xfrm>
-            <a:off x="1480150" y="0"/>
-            <a:ext cx="8662471" cy="6833937"/>
-          </a:xfrm>
-          <a:prstGeom prst="rect">
-            <a:avLst/>
-          </a:prstGeom>
-        </p:spPr>
-      </p:pic>
-      <p:pic>
-        <p:nvPicPr>
-          <p:cNvPr id="5" name="Afbeelding 4"/>
+          <p:cNvPr id="6" name="Afbeelding 5"/>
           <p:cNvPicPr>
             <a:picLocks noChangeAspect="1"/>
           </p:cNvPicPr>
           <p:nvPr/>
         </p:nvPicPr>
         <p:blipFill>
-          <a:blip r:embed="rId3">
+          <a:blip r:embed="rId2">
             <a:extLst>
               <a:ext uri="{28A0092B-C50C-407E-A947-70E740481C1C}">
                 <a14:useLocalDpi xmlns:a14="http://schemas.microsoft.com/office/drawing/2010/main" val="0"/>
@@ -3146,8 +3723,38 @@
         </p:blipFill>
         <p:spPr>
           <a:xfrm>
-            <a:off x="4036027" y="866376"/>
-            <a:ext cx="3459646" cy="4074337"/>
+            <a:off x="6096000" y="1552433"/>
+            <a:ext cx="4936958" cy="4965945"/>
+          </a:xfrm>
+          <a:prstGeom prst="rect">
+            <a:avLst/>
+          </a:prstGeom>
+        </p:spPr>
+      </p:pic>
+      <p:pic>
+        <p:nvPicPr>
+          <p:cNvPr id="7" name="Afbeelding 6"/>
+          <p:cNvPicPr>
+            <a:picLocks noChangeAspect="1"/>
+          </p:cNvPicPr>
+          <p:nvPr/>
+        </p:nvPicPr>
+        <p:blipFill>
+          <a:blip r:embed="rId3" cstate="print">
+            <a:extLst>
+              <a:ext uri="{28A0092B-C50C-407E-A947-70E740481C1C}">
+                <a14:useLocalDpi xmlns:a14="http://schemas.microsoft.com/office/drawing/2010/main" val="0"/>
+              </a:ext>
+            </a:extLst>
+          </a:blip>
+          <a:stretch>
+            <a:fillRect/>
+          </a:stretch>
+        </p:blipFill>
+        <p:spPr>
+          <a:xfrm>
+            <a:off x="7578263" y="2357406"/>
+            <a:ext cx="1911130" cy="2250689"/>
           </a:xfrm>
           <a:prstGeom prst="rect">
             <a:avLst/>
@@ -3157,7 +3764,7 @@
     </p:spTree>
     <p:extLst>
       <p:ext uri="{BB962C8B-B14F-4D97-AF65-F5344CB8AC3E}">
-        <p14:creationId xmlns:p14="http://schemas.microsoft.com/office/powerpoint/2010/main" val="4117950302"/>
+        <p14:creationId xmlns:p14="http://schemas.microsoft.com/office/powerpoint/2010/main" val="710878558"/>
       </p:ext>
     </p:extLst>
   </p:cSld>
@@ -3191,80 +3798,15 @@
           <a:chExt cx="0" cy="0"/>
         </a:xfrm>
       </p:grpSpPr>
-      <p:sp>
-        <p:nvSpPr>
-          <p:cNvPr id="2" name="Titel 1"/>
-          <p:cNvSpPr>
-            <a:spLocks noGrp="1"/>
-          </p:cNvSpPr>
-          <p:nvPr>
-            <p:ph type="title"/>
-          </p:nvPr>
-        </p:nvSpPr>
-        <p:spPr/>
-        <p:txBody>
-          <a:bodyPr/>
-          <a:lstStyle/>
-          <a:p>
-            <a:pPr algn="ctr"/>
-            <a:r>
-              <a:rPr lang="nl-NL" dirty="0" smtClean="0"/>
-              <a:t>Oplossing bord 2 – </a:t>
-            </a:r>
-            <a:r>
-              <a:rPr lang="nl-NL" dirty="0" err="1" smtClean="0"/>
-              <a:t>depth</a:t>
-            </a:r>
-            <a:r>
-              <a:rPr lang="nl-NL" dirty="0" smtClean="0"/>
-              <a:t> first</a:t>
-            </a:r>
-            <a:endParaRPr lang="nl-NL" dirty="0"/>
-          </a:p>
-        </p:txBody>
-      </p:sp>
-      <p:sp>
-        <p:nvSpPr>
-          <p:cNvPr id="3" name="Tijdelijke aanduiding voor inhoud 2"/>
-          <p:cNvSpPr>
-            <a:spLocks noGrp="1"/>
-          </p:cNvSpPr>
-          <p:nvPr>
-            <p:ph idx="1"/>
-          </p:nvPr>
-        </p:nvSpPr>
-        <p:spPr>
-          <a:xfrm>
-            <a:off x="1689936" y="3581839"/>
-            <a:ext cx="4395537" cy="676943"/>
-          </a:xfrm>
-        </p:spPr>
-        <p:txBody>
-          <a:bodyPr>
-            <a:normAutofit/>
-          </a:bodyPr>
-          <a:lstStyle/>
-          <a:p>
-            <a:pPr marL="0" indent="0">
-              <a:buNone/>
-            </a:pPr>
-            <a:r>
-              <a:rPr lang="nl-NL" sz="3600" dirty="0" smtClean="0"/>
-              <a:t>Tijd: 14 minuten</a:t>
-            </a:r>
-            <a:endParaRPr lang="nl-NL" sz="3600" dirty="0"/>
-          </a:p>
-        </p:txBody>
-      </p:sp>
       <p:pic>
         <p:nvPicPr>
-          <p:cNvPr id="5" name="Afbeelding 4"/>
+          <p:cNvPr id="4" name="Afbeelding 3"/>
           <p:cNvPicPr>
             <a:picLocks noChangeAspect="1"/>
           </p:cNvPicPr>
           <p:nvPr/>
         </p:nvPicPr>
-        <p:blipFill>
+        <p:blipFill rotWithShape="1">
           <a:blip r:embed="rId2">
             <a:extLst>
               <a:ext uri="{28A0092B-C50C-407E-A947-70E740481C1C}">
@@ -3272,14 +3814,13 @@
               </a:ext>
             </a:extLst>
           </a:blip>
-          <a:stretch>
-            <a:fillRect/>
-          </a:stretch>
+          <a:srcRect t="5746" b="16552"/>
+          <a:stretch/>
         </p:blipFill>
         <p:spPr>
           <a:xfrm>
-            <a:off x="6509085" y="1690688"/>
-            <a:ext cx="5169568" cy="4773736"/>
+            <a:off x="1480150" y="0"/>
+            <a:ext cx="8662471" cy="6833937"/>
           </a:xfrm>
           <a:prstGeom prst="rect">
             <a:avLst/>
@@ -3288,7 +3829,7 @@
       </p:pic>
       <p:pic>
         <p:nvPicPr>
-          <p:cNvPr id="8" name="Afbeelding 7"/>
+          <p:cNvPr id="5" name="Afbeelding 4"/>
           <p:cNvPicPr>
             <a:picLocks noChangeAspect="1"/>
           </p:cNvPicPr>
@@ -3308,8 +3849,8 @@
         </p:blipFill>
         <p:spPr>
           <a:xfrm>
-            <a:off x="7958388" y="3231718"/>
-            <a:ext cx="1847350" cy="1839830"/>
+            <a:off x="4036027" y="866376"/>
+            <a:ext cx="3459646" cy="4074337"/>
           </a:xfrm>
           <a:prstGeom prst="rect">
             <a:avLst/>
@@ -3319,7 +3860,7 @@
     </p:spTree>
     <p:extLst>
       <p:ext uri="{BB962C8B-B14F-4D97-AF65-F5344CB8AC3E}">
-        <p14:creationId xmlns:p14="http://schemas.microsoft.com/office/powerpoint/2010/main" val="1493105389"/>
+        <p14:creationId xmlns:p14="http://schemas.microsoft.com/office/powerpoint/2010/main" val="4117950302"/>
       </p:ext>
     </p:extLst>
   </p:cSld>
@@ -3353,23 +3894,189 @@
           <a:chExt cx="0" cy="0"/>
         </a:xfrm>
       </p:grpSpPr>
+      <p:sp>
+        <p:nvSpPr>
+          <p:cNvPr id="2" name="Titel 1"/>
+          <p:cNvSpPr>
+            <a:spLocks noGrp="1"/>
+          </p:cNvSpPr>
+          <p:nvPr>
+            <p:ph type="title"/>
+          </p:nvPr>
+        </p:nvSpPr>
+        <p:spPr/>
+        <p:txBody>
+          <a:bodyPr/>
+          <a:lstStyle/>
+          <a:p>
+            <a:pPr algn="ctr"/>
+            <a:r>
+              <a:rPr lang="nl-NL" dirty="0" smtClean="0"/>
+              <a:t>Oplossing bord 2 – </a:t>
+            </a:r>
+            <a:r>
+              <a:rPr lang="nl-NL" dirty="0" err="1" smtClean="0"/>
+              <a:t>depth</a:t>
+            </a:r>
+            <a:r>
+              <a:rPr lang="nl-NL" dirty="0" smtClean="0"/>
+              <a:t> first</a:t>
+            </a:r>
+            <a:endParaRPr lang="nl-NL" dirty="0"/>
+          </a:p>
+        </p:txBody>
+      </p:sp>
+      <p:sp>
+        <p:nvSpPr>
+          <p:cNvPr id="3" name="Tijdelijke aanduiding voor inhoud 2"/>
+          <p:cNvSpPr>
+            <a:spLocks noGrp="1"/>
+          </p:cNvSpPr>
+          <p:nvPr>
+            <p:ph idx="1"/>
+          </p:nvPr>
+        </p:nvSpPr>
+        <p:spPr>
+          <a:xfrm>
+            <a:off x="1475874" y="1784259"/>
+            <a:ext cx="4395537" cy="4508257"/>
+          </a:xfrm>
+        </p:spPr>
+        <p:txBody>
+          <a:bodyPr>
+            <a:normAutofit/>
+          </a:bodyPr>
+          <a:lstStyle/>
+          <a:p>
+            <a:pPr marL="0" indent="0">
+              <a:buNone/>
+            </a:pPr>
+            <a:r>
+              <a:rPr lang="nl-NL" sz="3600" dirty="0" smtClean="0"/>
+              <a:t>Tijd: 14 </a:t>
+            </a:r>
+            <a:r>
+              <a:rPr lang="nl-NL" sz="3600" dirty="0" smtClean="0"/>
+              <a:t>minuten</a:t>
+            </a:r>
+          </a:p>
+          <a:p>
+            <a:pPr marL="0" indent="0">
+              <a:buNone/>
+            </a:pPr>
+            <a:endParaRPr lang="nl-NL" sz="3600" dirty="0" smtClean="0"/>
+          </a:p>
+          <a:p>
+            <a:pPr marL="0" indent="0">
+              <a:buNone/>
+            </a:pPr>
+            <a:r>
+              <a:rPr lang="nl-NL" sz="3600" dirty="0" smtClean="0"/>
+              <a:t>Iteraties met draaien:</a:t>
+            </a:r>
+          </a:p>
+          <a:p>
+            <a:pPr marL="0" indent="0">
+              <a:buNone/>
+            </a:pPr>
+            <a:r>
+              <a:rPr lang="nl-NL" sz="3600" dirty="0" smtClean="0"/>
+              <a:t>..</a:t>
+            </a:r>
+          </a:p>
+          <a:p>
+            <a:pPr marL="0" indent="0">
+              <a:buNone/>
+            </a:pPr>
+            <a:endParaRPr lang="nl-NL" sz="3600" dirty="0"/>
+          </a:p>
+          <a:p>
+            <a:pPr marL="0" indent="0">
+              <a:buNone/>
+            </a:pPr>
+            <a:r>
+              <a:rPr lang="nl-NL" sz="3600" dirty="0" smtClean="0"/>
+              <a:t>Oplossingen:</a:t>
+            </a:r>
+          </a:p>
+          <a:p>
+            <a:pPr marL="0" indent="0">
+              <a:buNone/>
+            </a:pPr>
+            <a:r>
+              <a:rPr lang="nl-NL" sz="3600" dirty="0" smtClean="0"/>
+              <a:t>..</a:t>
+            </a:r>
+            <a:endParaRPr lang="nl-NL" sz="3600" dirty="0"/>
+          </a:p>
+          <a:p>
+            <a:pPr marL="0" indent="0">
+              <a:buNone/>
+            </a:pPr>
+            <a:endParaRPr lang="nl-NL" sz="3600" dirty="0" smtClean="0"/>
+          </a:p>
+          <a:p>
+            <a:pPr marL="0" indent="0">
+              <a:buNone/>
+            </a:pPr>
+            <a:endParaRPr lang="nl-NL" sz="3600" dirty="0"/>
+          </a:p>
+        </p:txBody>
+      </p:sp>
       <p:pic>
         <p:nvPicPr>
-          <p:cNvPr id="4" name="Afbeelding 3"/>
+          <p:cNvPr id="5" name="Afbeelding 4"/>
           <p:cNvPicPr>
             <a:picLocks noChangeAspect="1"/>
           </p:cNvPicPr>
           <p:nvPr/>
         </p:nvPicPr>
-        <p:blipFill rotWithShape="1">
-          <a:blip r:embed="rId2"/>
-          <a:srcRect t="17589" b="14103"/>
-          <a:stretch/>
+        <p:blipFill>
+          <a:blip r:embed="rId2">
+            <a:extLst>
+              <a:ext uri="{28A0092B-C50C-407E-A947-70E740481C1C}">
+                <a14:useLocalDpi xmlns:a14="http://schemas.microsoft.com/office/drawing/2010/main" val="0"/>
+              </a:ext>
+            </a:extLst>
+          </a:blip>
+          <a:stretch>
+            <a:fillRect/>
+          </a:stretch>
         </p:blipFill>
         <p:spPr>
           <a:xfrm>
-            <a:off x="649705" y="0"/>
-            <a:ext cx="10816036" cy="6821905"/>
+            <a:off x="6509085" y="1690688"/>
+            <a:ext cx="5169568" cy="4773736"/>
+          </a:xfrm>
+          <a:prstGeom prst="rect">
+            <a:avLst/>
+          </a:prstGeom>
+        </p:spPr>
+      </p:pic>
+      <p:pic>
+        <p:nvPicPr>
+          <p:cNvPr id="8" name="Afbeelding 7"/>
+          <p:cNvPicPr>
+            <a:picLocks noChangeAspect="1"/>
+          </p:cNvPicPr>
+          <p:nvPr/>
+        </p:nvPicPr>
+        <p:blipFill>
+          <a:blip r:embed="rId3">
+            <a:extLst>
+              <a:ext uri="{28A0092B-C50C-407E-A947-70E740481C1C}">
+                <a14:useLocalDpi xmlns:a14="http://schemas.microsoft.com/office/drawing/2010/main" val="0"/>
+              </a:ext>
+            </a:extLst>
+          </a:blip>
+          <a:stretch>
+            <a:fillRect/>
+          </a:stretch>
+        </p:blipFill>
+        <p:spPr>
+          <a:xfrm>
+            <a:off x="7958388" y="3231718"/>
+            <a:ext cx="1847350" cy="1839830"/>
           </a:xfrm>
           <a:prstGeom prst="rect">
             <a:avLst/>
@@ -3379,7 +4086,7 @@
     </p:spTree>
     <p:extLst>
       <p:ext uri="{BB962C8B-B14F-4D97-AF65-F5344CB8AC3E}">
-        <p14:creationId xmlns:p14="http://schemas.microsoft.com/office/powerpoint/2010/main" val="2879155230"/>
+        <p14:creationId xmlns:p14="http://schemas.microsoft.com/office/powerpoint/2010/main" val="1493105389"/>
       </p:ext>
     </p:extLst>
   </p:cSld>
@@ -3413,30 +4120,6 @@
           <a:chExt cx="0" cy="0"/>
         </a:xfrm>
       </p:grpSpPr>
-      <p:sp>
-        <p:nvSpPr>
-          <p:cNvPr id="2" name="Titel 1"/>
-          <p:cNvSpPr>
-            <a:spLocks noGrp="1"/>
-          </p:cNvSpPr>
-          <p:nvPr>
-            <p:ph type="title"/>
-          </p:nvPr>
-        </p:nvSpPr>
-        <p:spPr/>
-        <p:txBody>
-          <a:bodyPr/>
-          <a:lstStyle/>
-          <a:p>
-            <a:pPr algn="ctr"/>
-            <a:r>
-              <a:rPr lang="nl-NL" dirty="0" smtClean="0"/>
-              <a:t>Sneller?</a:t>
-            </a:r>
-            <a:endParaRPr lang="nl-NL" dirty="0"/>
-          </a:p>
-        </p:txBody>
-      </p:sp>
       <p:pic>
         <p:nvPicPr>
           <p:cNvPr id="4" name="Afbeelding 3"/>
@@ -3445,167 +4128,25 @@
           </p:cNvPicPr>
           <p:nvPr/>
         </p:nvPicPr>
-        <p:blipFill>
-          <a:blip r:embed="rId2">
-            <a:extLst>
-              <a:ext uri="{28A0092B-C50C-407E-A947-70E740481C1C}">
-                <a14:useLocalDpi xmlns:a14="http://schemas.microsoft.com/office/drawing/2010/main" val="0"/>
-              </a:ext>
-            </a:extLst>
-          </a:blip>
-          <a:stretch>
-            <a:fillRect/>
-          </a:stretch>
+        <p:blipFill rotWithShape="1">
+          <a:blip r:embed="rId2"/>
+          <a:srcRect t="17589" b="14103"/>
+          <a:stretch/>
         </p:blipFill>
         <p:spPr>
           <a:xfrm>
-            <a:off x="5927558" y="1690687"/>
-            <a:ext cx="4219575" cy="4295775"/>
+            <a:off x="649705" y="0"/>
+            <a:ext cx="10816036" cy="6821905"/>
           </a:xfrm>
           <a:prstGeom prst="rect">
             <a:avLst/>
           </a:prstGeom>
         </p:spPr>
       </p:pic>
-      <p:sp>
-        <p:nvSpPr>
-          <p:cNvPr id="5" name="Ovaal 4"/>
-          <p:cNvSpPr/>
-          <p:nvPr/>
-        </p:nvSpPr>
-        <p:spPr>
-          <a:xfrm>
-            <a:off x="8189494" y="2907967"/>
-            <a:ext cx="1423738" cy="1491915"/>
-          </a:xfrm>
-          <a:prstGeom prst="ellipse">
-            <a:avLst/>
-          </a:prstGeom>
-          <a:noFill/>
-          <a:ln w="76200">
-            <a:solidFill>
-              <a:srgbClr val="FF0000"/>
-            </a:solidFill>
-          </a:ln>
-        </p:spPr>
-        <p:style>
-          <a:lnRef idx="2">
-            <a:schemeClr val="accent2"/>
-          </a:lnRef>
-          <a:fillRef idx="1">
-            <a:schemeClr val="lt1"/>
-          </a:fillRef>
-          <a:effectRef idx="0">
-            <a:schemeClr val="accent2"/>
-          </a:effectRef>
-          <a:fontRef idx="minor">
-            <a:schemeClr val="dk1"/>
-          </a:fontRef>
-        </p:style>
-        <p:txBody>
-          <a:bodyPr rtlCol="0" anchor="ctr"/>
-          <a:lstStyle/>
-          <a:p>
-            <a:pPr algn="ctr"/>
-            <a:endParaRPr lang="nl-NL" b="1">
-              <a:ln w="22225">
-                <a:solidFill>
-                  <a:schemeClr val="accent2"/>
-                </a:solidFill>
-                <a:prstDash val="solid"/>
-              </a:ln>
-              <a:solidFill>
-                <a:schemeClr val="accent2">
-                  <a:lumMod val="40000"/>
-                  <a:lumOff val="60000"/>
-                </a:schemeClr>
-              </a:solidFill>
-            </a:endParaRPr>
-          </a:p>
-        </p:txBody>
-      </p:sp>
-      <p:sp>
-        <p:nvSpPr>
-          <p:cNvPr id="7" name="PIJL-OMHOOG 6"/>
-          <p:cNvSpPr/>
-          <p:nvPr/>
-        </p:nvSpPr>
-        <p:spPr>
-          <a:xfrm>
-            <a:off x="6436895" y="4199021"/>
-            <a:ext cx="890337" cy="1070810"/>
-          </a:xfrm>
-          <a:prstGeom prst="upArrow">
-            <a:avLst/>
-          </a:prstGeom>
-          <a:solidFill>
-            <a:srgbClr val="FF0000"/>
-          </a:solidFill>
-          <a:ln>
-            <a:solidFill>
-              <a:srgbClr val="FF0000"/>
-            </a:solidFill>
-          </a:ln>
-        </p:spPr>
-        <p:style>
-          <a:lnRef idx="2">
-            <a:schemeClr val="accent1">
-              <a:shade val="50000"/>
-            </a:schemeClr>
-          </a:lnRef>
-          <a:fillRef idx="1">
-            <a:schemeClr val="accent1"/>
-          </a:fillRef>
-          <a:effectRef idx="0">
-            <a:schemeClr val="accent1"/>
-          </a:effectRef>
-          <a:fontRef idx="minor">
-            <a:schemeClr val="lt1"/>
-          </a:fontRef>
-        </p:style>
-        <p:txBody>
-          <a:bodyPr rtlCol="0" anchor="ctr"/>
-          <a:lstStyle/>
-          <a:p>
-            <a:pPr algn="ctr"/>
-            <a:endParaRPr lang="nl-NL"/>
-          </a:p>
-        </p:txBody>
-      </p:sp>
-      <p:sp>
-        <p:nvSpPr>
-          <p:cNvPr id="8" name="Tekstvak 7"/>
-          <p:cNvSpPr txBox="1"/>
-          <p:nvPr/>
-        </p:nvSpPr>
-        <p:spPr>
-          <a:xfrm>
-            <a:off x="1576137" y="3330758"/>
-            <a:ext cx="3433512" cy="646331"/>
-          </a:xfrm>
-          <a:prstGeom prst="rect">
-            <a:avLst/>
-          </a:prstGeom>
-          <a:noFill/>
-        </p:spPr>
-        <p:txBody>
-          <a:bodyPr wrap="square" rtlCol="0">
-            <a:spAutoFit/>
-          </a:bodyPr>
-          <a:lstStyle/>
-          <a:p>
-            <a:r>
-              <a:rPr lang="nl-NL" sz="3600" dirty="0" err="1" smtClean="0"/>
-              <a:t>Pruning</a:t>
-            </a:r>
-            <a:endParaRPr lang="nl-NL" sz="3600" dirty="0"/>
-          </a:p>
-        </p:txBody>
-      </p:sp>
     </p:spTree>
     <p:extLst>
       <p:ext uri="{BB962C8B-B14F-4D97-AF65-F5344CB8AC3E}">
-        <p14:creationId xmlns:p14="http://schemas.microsoft.com/office/powerpoint/2010/main" val="788139303"/>
+        <p14:creationId xmlns:p14="http://schemas.microsoft.com/office/powerpoint/2010/main" val="2879155230"/>
       </p:ext>
     </p:extLst>
   </p:cSld>
@@ -3657,6 +4198,271 @@
             <a:pPr algn="ctr"/>
             <a:r>
               <a:rPr lang="nl-NL" dirty="0" smtClean="0"/>
+              <a:t>Sneller?</a:t>
+            </a:r>
+            <a:endParaRPr lang="nl-NL" dirty="0"/>
+          </a:p>
+        </p:txBody>
+      </p:sp>
+      <p:pic>
+        <p:nvPicPr>
+          <p:cNvPr id="4" name="Afbeelding 3"/>
+          <p:cNvPicPr>
+            <a:picLocks noChangeAspect="1"/>
+          </p:cNvPicPr>
+          <p:nvPr/>
+        </p:nvPicPr>
+        <p:blipFill>
+          <a:blip r:embed="rId2">
+            <a:extLst>
+              <a:ext uri="{28A0092B-C50C-407E-A947-70E740481C1C}">
+                <a14:useLocalDpi xmlns:a14="http://schemas.microsoft.com/office/drawing/2010/main" val="0"/>
+              </a:ext>
+            </a:extLst>
+          </a:blip>
+          <a:stretch>
+            <a:fillRect/>
+          </a:stretch>
+        </p:blipFill>
+        <p:spPr>
+          <a:xfrm>
+            <a:off x="5927558" y="1690687"/>
+            <a:ext cx="4219575" cy="4295775"/>
+          </a:xfrm>
+          <a:prstGeom prst="rect">
+            <a:avLst/>
+          </a:prstGeom>
+        </p:spPr>
+      </p:pic>
+      <p:sp>
+        <p:nvSpPr>
+          <p:cNvPr id="5" name="Ovaal 4"/>
+          <p:cNvSpPr/>
+          <p:nvPr/>
+        </p:nvSpPr>
+        <p:spPr>
+          <a:xfrm>
+            <a:off x="8189494" y="2907967"/>
+            <a:ext cx="1423738" cy="1491915"/>
+          </a:xfrm>
+          <a:prstGeom prst="ellipse">
+            <a:avLst/>
+          </a:prstGeom>
+          <a:noFill/>
+          <a:ln w="76200">
+            <a:solidFill>
+              <a:srgbClr val="FF0000"/>
+            </a:solidFill>
+          </a:ln>
+        </p:spPr>
+        <p:style>
+          <a:lnRef idx="2">
+            <a:schemeClr val="accent2"/>
+          </a:lnRef>
+          <a:fillRef idx="1">
+            <a:schemeClr val="lt1"/>
+          </a:fillRef>
+          <a:effectRef idx="0">
+            <a:schemeClr val="accent2"/>
+          </a:effectRef>
+          <a:fontRef idx="minor">
+            <a:schemeClr val="dk1"/>
+          </a:fontRef>
+        </p:style>
+        <p:txBody>
+          <a:bodyPr rtlCol="0" anchor="ctr"/>
+          <a:lstStyle/>
+          <a:p>
+            <a:pPr algn="ctr"/>
+            <a:endParaRPr lang="nl-NL" b="1">
+              <a:ln w="22225">
+                <a:solidFill>
+                  <a:schemeClr val="accent2"/>
+                </a:solidFill>
+                <a:prstDash val="solid"/>
+              </a:ln>
+              <a:solidFill>
+                <a:schemeClr val="accent2">
+                  <a:lumMod val="40000"/>
+                  <a:lumOff val="60000"/>
+                </a:schemeClr>
+              </a:solidFill>
+            </a:endParaRPr>
+          </a:p>
+        </p:txBody>
+      </p:sp>
+      <p:sp>
+        <p:nvSpPr>
+          <p:cNvPr id="7" name="PIJL-OMHOOG 6"/>
+          <p:cNvSpPr/>
+          <p:nvPr/>
+        </p:nvSpPr>
+        <p:spPr>
+          <a:xfrm>
+            <a:off x="6436895" y="4199021"/>
+            <a:ext cx="890337" cy="1070810"/>
+          </a:xfrm>
+          <a:prstGeom prst="upArrow">
+            <a:avLst/>
+          </a:prstGeom>
+          <a:solidFill>
+            <a:srgbClr val="FF0000"/>
+          </a:solidFill>
+          <a:ln>
+            <a:solidFill>
+              <a:srgbClr val="FF0000"/>
+            </a:solidFill>
+          </a:ln>
+        </p:spPr>
+        <p:style>
+          <a:lnRef idx="2">
+            <a:schemeClr val="accent1">
+              <a:shade val="50000"/>
+            </a:schemeClr>
+          </a:lnRef>
+          <a:fillRef idx="1">
+            <a:schemeClr val="accent1"/>
+          </a:fillRef>
+          <a:effectRef idx="0">
+            <a:schemeClr val="accent1"/>
+          </a:effectRef>
+          <a:fontRef idx="minor">
+            <a:schemeClr val="lt1"/>
+          </a:fontRef>
+        </p:style>
+        <p:txBody>
+          <a:bodyPr rtlCol="0" anchor="ctr"/>
+          <a:lstStyle/>
+          <a:p>
+            <a:pPr algn="ctr"/>
+            <a:endParaRPr lang="nl-NL"/>
+          </a:p>
+        </p:txBody>
+      </p:sp>
+      <p:sp>
+        <p:nvSpPr>
+          <p:cNvPr id="8" name="Tekstvak 7"/>
+          <p:cNvSpPr txBox="1"/>
+          <p:nvPr/>
+        </p:nvSpPr>
+        <p:spPr>
+          <a:xfrm>
+            <a:off x="838200" y="2499762"/>
+            <a:ext cx="4924925" cy="2862322"/>
+          </a:xfrm>
+          <a:prstGeom prst="rect">
+            <a:avLst/>
+          </a:prstGeom>
+          <a:noFill/>
+        </p:spPr>
+        <p:txBody>
+          <a:bodyPr wrap="square" rtlCol="0">
+            <a:spAutoFit/>
+          </a:bodyPr>
+          <a:lstStyle/>
+          <a:p>
+            <a:r>
+              <a:rPr lang="nl-NL" sz="3600" dirty="0" smtClean="0"/>
+              <a:t>1. </a:t>
+            </a:r>
+            <a:r>
+              <a:rPr lang="nl-NL" sz="3600" dirty="0" err="1" smtClean="0"/>
+              <a:t>Pruning</a:t>
+            </a:r>
+            <a:endParaRPr lang="nl-NL" sz="3600" dirty="0" smtClean="0"/>
+          </a:p>
+          <a:p>
+            <a:endParaRPr lang="nl-NL" sz="3600" dirty="0"/>
+          </a:p>
+          <a:p>
+            <a:r>
+              <a:rPr lang="nl-NL" sz="3600" dirty="0" smtClean="0"/>
+              <a:t>2. </a:t>
+            </a:r>
+            <a:r>
+              <a:rPr lang="nl-NL" sz="3600" dirty="0" err="1" smtClean="0"/>
+              <a:t>Deep</a:t>
+            </a:r>
+            <a:r>
+              <a:rPr lang="nl-NL" sz="3600" dirty="0" smtClean="0"/>
+              <a:t>-copy vervangen</a:t>
+            </a:r>
+          </a:p>
+          <a:p>
+            <a:endParaRPr lang="nl-NL" sz="3600" dirty="0"/>
+          </a:p>
+          <a:p>
+            <a:r>
+              <a:rPr lang="nl-NL" sz="3600" dirty="0" smtClean="0"/>
+              <a:t>3. </a:t>
+            </a:r>
+            <a:r>
+              <a:rPr lang="nl-NL" sz="3600" dirty="0" err="1" smtClean="0"/>
+              <a:t>Pruning</a:t>
+            </a:r>
+            <a:r>
+              <a:rPr lang="nl-NL" sz="3600" dirty="0" smtClean="0"/>
+              <a:t> weglaten</a:t>
+            </a:r>
+            <a:endParaRPr lang="nl-NL" sz="3600" dirty="0"/>
+          </a:p>
+        </p:txBody>
+      </p:sp>
+    </p:spTree>
+    <p:extLst>
+      <p:ext uri="{BB962C8B-B14F-4D97-AF65-F5344CB8AC3E}">
+        <p14:creationId xmlns:p14="http://schemas.microsoft.com/office/powerpoint/2010/main" val="788139303"/>
+      </p:ext>
+    </p:extLst>
+  </p:cSld>
+  <p:clrMapOvr>
+    <a:masterClrMapping/>
+  </p:clrMapOvr>
+  <p:timing>
+    <p:tnLst>
+      <p:par>
+        <p:cTn id="1" dur="indefinite" restart="never" nodeType="tmRoot"/>
+      </p:par>
+    </p:tnLst>
+  </p:timing>
+</p:sld>
+</file>
+
+<file path=ppt/slides/slide15.xml><?xml version="1.0" encoding="utf-8"?>
+<p:sld xmlns:a="http://schemas.openxmlformats.org/drawingml/2006/main" xmlns:r="http://schemas.openxmlformats.org/officeDocument/2006/relationships" xmlns:p="http://schemas.openxmlformats.org/presentationml/2006/main">
+  <p:cSld>
+    <p:spTree>
+      <p:nvGrpSpPr>
+        <p:cNvPr id="1" name=""/>
+        <p:cNvGrpSpPr/>
+        <p:nvPr/>
+      </p:nvGrpSpPr>
+      <p:grpSpPr>
+        <a:xfrm>
+          <a:off x="0" y="0"/>
+          <a:ext cx="0" cy="0"/>
+          <a:chOff x="0" y="0"/>
+          <a:chExt cx="0" cy="0"/>
+        </a:xfrm>
+      </p:grpSpPr>
+      <p:sp>
+        <p:nvSpPr>
+          <p:cNvPr id="2" name="Titel 1"/>
+          <p:cNvSpPr>
+            <a:spLocks noGrp="1"/>
+          </p:cNvSpPr>
+          <p:nvPr>
+            <p:ph type="title"/>
+          </p:nvPr>
+        </p:nvSpPr>
+        <p:spPr/>
+        <p:txBody>
+          <a:bodyPr/>
+          <a:lstStyle/>
+          <a:p>
+            <a:pPr algn="ctr"/>
+            <a:r>
+              <a:rPr lang="nl-NL" dirty="0" smtClean="0"/>
               <a:t>Sneller</a:t>
             </a:r>
             <a:endParaRPr lang="nl-NL" dirty="0"/>
@@ -3712,8 +4518,17 @@
               <a:rPr lang="nl-NL" sz="3200" dirty="0" smtClean="0">
                 <a:sym typeface="Wingdings" panose="05000000000000000000" pitchFamily="2" charset="2"/>
               </a:rPr>
-              <a:t> 6 seconden</a:t>
-            </a:r>
+              <a:t> 6 </a:t>
+            </a:r>
+            <a:r>
+              <a:rPr lang="nl-NL" sz="3200" dirty="0" smtClean="0">
+                <a:sym typeface="Wingdings" panose="05000000000000000000" pitchFamily="2" charset="2"/>
+              </a:rPr>
+              <a:t>seconden  instantaan</a:t>
+            </a:r>
+            <a:endParaRPr lang="nl-NL" sz="3200" dirty="0" smtClean="0">
+              <a:sym typeface="Wingdings" panose="05000000000000000000" pitchFamily="2" charset="2"/>
+            </a:endParaRPr>
           </a:p>
           <a:p>
             <a:pPr marL="0" indent="0">
@@ -3731,7 +4546,13 @@
               <a:rPr lang="nl-NL" sz="3200" dirty="0" smtClean="0">
                 <a:sym typeface="Wingdings" panose="05000000000000000000" pitchFamily="2" charset="2"/>
               </a:rPr>
-              <a:t>Bord 3: 15 minuten  3,5 minuut</a:t>
+              <a:t>Bord 3: 15 minuten  3,5 </a:t>
+            </a:r>
+            <a:r>
+              <a:rPr lang="nl-NL" sz="3200" dirty="0" smtClean="0">
+                <a:sym typeface="Wingdings" panose="05000000000000000000" pitchFamily="2" charset="2"/>
+              </a:rPr>
+              <a:t>minuut  14 seconden</a:t>
             </a:r>
             <a:endParaRPr lang="nl-NL" sz="3200" dirty="0" smtClean="0"/>
           </a:p>
@@ -3754,6 +4575,1247 @@
       </p:par>
     </p:tnLst>
   </p:timing>
+</p:sld>
+</file>
+
+<file path=ppt/slides/slide16.xml><?xml version="1.0" encoding="utf-8"?>
+<p:sld xmlns:a="http://schemas.openxmlformats.org/drawingml/2006/main" xmlns:r="http://schemas.openxmlformats.org/officeDocument/2006/relationships" xmlns:p="http://schemas.openxmlformats.org/presentationml/2006/main">
+  <p:cSld>
+    <p:spTree>
+      <p:nvGrpSpPr>
+        <p:cNvPr id="1" name=""/>
+        <p:cNvGrpSpPr/>
+        <p:nvPr/>
+      </p:nvGrpSpPr>
+      <p:grpSpPr>
+        <a:xfrm>
+          <a:off x="0" y="0"/>
+          <a:ext cx="0" cy="0"/>
+          <a:chOff x="0" y="0"/>
+          <a:chExt cx="0" cy="0"/>
+        </a:xfrm>
+      </p:grpSpPr>
+      <p:sp>
+        <p:nvSpPr>
+          <p:cNvPr id="2" name="Titel 1"/>
+          <p:cNvSpPr>
+            <a:spLocks noGrp="1"/>
+          </p:cNvSpPr>
+          <p:nvPr>
+            <p:ph type="title"/>
+          </p:nvPr>
+        </p:nvSpPr>
+        <p:spPr/>
+        <p:txBody>
+          <a:bodyPr/>
+          <a:lstStyle/>
+          <a:p>
+            <a:pPr algn="ctr"/>
+            <a:r>
+              <a:rPr lang="nl-NL" dirty="0" smtClean="0"/>
+              <a:t>Live draaien bord 2 ??</a:t>
+            </a:r>
+            <a:endParaRPr lang="nl-NL" dirty="0"/>
+          </a:p>
+        </p:txBody>
+      </p:sp>
+      <p:pic>
+        <p:nvPicPr>
+          <p:cNvPr id="4" name="Tijdelijke aanduiding voor inhoud 3"/>
+          <p:cNvPicPr>
+            <a:picLocks noGrp="1" noChangeAspect="1"/>
+          </p:cNvPicPr>
+          <p:nvPr>
+            <p:ph idx="1"/>
+          </p:nvPr>
+        </p:nvPicPr>
+        <p:blipFill>
+          <a:blip r:embed="rId3" cstate="print">
+            <a:extLst>
+              <a:ext uri="{28A0092B-C50C-407E-A947-70E740481C1C}">
+                <a14:useLocalDpi xmlns:a14="http://schemas.microsoft.com/office/drawing/2010/main" val="0"/>
+              </a:ext>
+            </a:extLst>
+          </a:blip>
+          <a:stretch>
+            <a:fillRect/>
+          </a:stretch>
+        </p:blipFill>
+        <p:spPr>
+          <a:xfrm>
+            <a:off x="4603102" y="2360988"/>
+            <a:ext cx="2985795" cy="2985795"/>
+          </a:xfrm>
+        </p:spPr>
+      </p:pic>
+    </p:spTree>
+    <p:extLst>
+      <p:ext uri="{BB962C8B-B14F-4D97-AF65-F5344CB8AC3E}">
+        <p14:creationId xmlns:p14="http://schemas.microsoft.com/office/powerpoint/2010/main" val="2185356484"/>
+      </p:ext>
+    </p:extLst>
+  </p:cSld>
+  <p:clrMapOvr>
+    <a:masterClrMapping/>
+  </p:clrMapOvr>
+</p:sld>
+</file>
+
+<file path=ppt/slides/slide17.xml><?xml version="1.0" encoding="utf-8"?>
+<p:sld xmlns:a="http://schemas.openxmlformats.org/drawingml/2006/main" xmlns:r="http://schemas.openxmlformats.org/officeDocument/2006/relationships" xmlns:p="http://schemas.openxmlformats.org/presentationml/2006/main">
+  <p:cSld>
+    <p:spTree>
+      <p:nvGrpSpPr>
+        <p:cNvPr id="1" name=""/>
+        <p:cNvGrpSpPr/>
+        <p:nvPr/>
+      </p:nvGrpSpPr>
+      <p:grpSpPr>
+        <a:xfrm>
+          <a:off x="0" y="0"/>
+          <a:ext cx="0" cy="0"/>
+          <a:chOff x="0" y="0"/>
+          <a:chExt cx="0" cy="0"/>
+        </a:xfrm>
+      </p:grpSpPr>
+      <p:sp>
+        <p:nvSpPr>
+          <p:cNvPr id="2" name="Titel 1"/>
+          <p:cNvSpPr>
+            <a:spLocks noGrp="1"/>
+          </p:cNvSpPr>
+          <p:nvPr>
+            <p:ph type="title"/>
+          </p:nvPr>
+        </p:nvSpPr>
+        <p:spPr/>
+        <p:txBody>
+          <a:bodyPr/>
+          <a:lstStyle/>
+          <a:p>
+            <a:pPr algn="ctr"/>
+            <a:r>
+              <a:rPr lang="nl-NL" dirty="0" smtClean="0"/>
+              <a:t>Oplossing bord 4</a:t>
+            </a:r>
+            <a:endParaRPr lang="nl-NL" dirty="0"/>
+          </a:p>
+        </p:txBody>
+      </p:sp>
+      <p:sp>
+        <p:nvSpPr>
+          <p:cNvPr id="3" name="Tijdelijke aanduiding voor inhoud 2"/>
+          <p:cNvSpPr>
+            <a:spLocks noGrp="1"/>
+          </p:cNvSpPr>
+          <p:nvPr>
+            <p:ph idx="1"/>
+          </p:nvPr>
+        </p:nvSpPr>
+        <p:spPr/>
+        <p:txBody>
+          <a:bodyPr/>
+          <a:lstStyle/>
+          <a:p>
+            <a:r>
+              <a:rPr lang="nl-NL" dirty="0" smtClean="0"/>
+              <a:t>Geen oplossing zonder draaien</a:t>
+            </a:r>
+          </a:p>
+          <a:p>
+            <a:r>
+              <a:rPr lang="nl-NL" dirty="0" smtClean="0"/>
+              <a:t>Met draaien binnen paar seconden</a:t>
+            </a:r>
+          </a:p>
+          <a:p>
+            <a:r>
+              <a:rPr lang="nl-NL" dirty="0" smtClean="0"/>
+              <a:t>Oplossing: (plaatje)</a:t>
+            </a:r>
+            <a:endParaRPr lang="nl-NL" dirty="0"/>
+          </a:p>
+        </p:txBody>
+      </p:sp>
+      <p:pic>
+        <p:nvPicPr>
+          <p:cNvPr id="4" name="Afbeelding 3"/>
+          <p:cNvPicPr>
+            <a:picLocks noChangeAspect="1"/>
+          </p:cNvPicPr>
+          <p:nvPr/>
+        </p:nvPicPr>
+        <p:blipFill>
+          <a:blip r:embed="rId2">
+            <a:extLst>
+              <a:ext uri="{28A0092B-C50C-407E-A947-70E740481C1C}">
+                <a14:useLocalDpi xmlns:a14="http://schemas.microsoft.com/office/drawing/2010/main" val="0"/>
+              </a:ext>
+            </a:extLst>
+          </a:blip>
+          <a:stretch>
+            <a:fillRect/>
+          </a:stretch>
+        </p:blipFill>
+        <p:spPr>
+          <a:xfrm>
+            <a:off x="7337257" y="1690688"/>
+            <a:ext cx="3058026" cy="4402503"/>
+          </a:xfrm>
+          <a:prstGeom prst="rect">
+            <a:avLst/>
+          </a:prstGeom>
+        </p:spPr>
+      </p:pic>
+    </p:spTree>
+    <p:extLst>
+      <p:ext uri="{BB962C8B-B14F-4D97-AF65-F5344CB8AC3E}">
+        <p14:creationId xmlns:p14="http://schemas.microsoft.com/office/powerpoint/2010/main" val="184213237"/>
+      </p:ext>
+    </p:extLst>
+  </p:cSld>
+  <p:clrMapOvr>
+    <a:masterClrMapping/>
+  </p:clrMapOvr>
+</p:sld>
+</file>
+
+<file path=ppt/slides/slide18.xml><?xml version="1.0" encoding="utf-8"?>
+<p:sld xmlns:a="http://schemas.openxmlformats.org/drawingml/2006/main" xmlns:r="http://schemas.openxmlformats.org/officeDocument/2006/relationships" xmlns:p="http://schemas.openxmlformats.org/presentationml/2006/main">
+  <p:cSld>
+    <p:spTree>
+      <p:nvGrpSpPr>
+        <p:cNvPr id="1" name=""/>
+        <p:cNvGrpSpPr/>
+        <p:nvPr/>
+      </p:nvGrpSpPr>
+      <p:grpSpPr>
+        <a:xfrm>
+          <a:off x="0" y="0"/>
+          <a:ext cx="0" cy="0"/>
+          <a:chOff x="0" y="0"/>
+          <a:chExt cx="0" cy="0"/>
+        </a:xfrm>
+      </p:grpSpPr>
+      <p:sp>
+        <p:nvSpPr>
+          <p:cNvPr id="2" name="Titel 1"/>
+          <p:cNvSpPr>
+            <a:spLocks noGrp="1"/>
+          </p:cNvSpPr>
+          <p:nvPr>
+            <p:ph type="title"/>
+          </p:nvPr>
+        </p:nvSpPr>
+        <p:spPr/>
+        <p:txBody>
+          <a:bodyPr/>
+          <a:lstStyle/>
+          <a:p>
+            <a:pPr algn="ctr"/>
+            <a:r>
+              <a:rPr lang="nl-NL" dirty="0" smtClean="0"/>
+              <a:t>Oplossing bord 5</a:t>
+            </a:r>
+            <a:endParaRPr lang="nl-NL" dirty="0"/>
+          </a:p>
+        </p:txBody>
+      </p:sp>
+      <p:sp>
+        <p:nvSpPr>
+          <p:cNvPr id="3" name="Tijdelijke aanduiding voor inhoud 2"/>
+          <p:cNvSpPr>
+            <a:spLocks noGrp="1"/>
+          </p:cNvSpPr>
+          <p:nvPr>
+            <p:ph idx="1"/>
+          </p:nvPr>
+        </p:nvSpPr>
+        <p:spPr/>
+        <p:txBody>
+          <a:bodyPr/>
+          <a:lstStyle/>
+          <a:p>
+            <a:r>
+              <a:rPr lang="nl-NL" dirty="0" smtClean="0"/>
+              <a:t>Zonder draaien geen oplossing</a:t>
+            </a:r>
+          </a:p>
+          <a:p>
+            <a:r>
+              <a:rPr lang="nl-NL" dirty="0" smtClean="0"/>
+              <a:t>Met draaien: …</a:t>
+            </a:r>
+          </a:p>
+          <a:p>
+            <a:r>
+              <a:rPr lang="nl-NL" dirty="0" smtClean="0"/>
+              <a:t>Oplossing: (plaatje)</a:t>
+            </a:r>
+          </a:p>
+          <a:p>
+            <a:endParaRPr lang="nl-NL" dirty="0"/>
+          </a:p>
+        </p:txBody>
+      </p:sp>
+    </p:spTree>
+    <p:extLst>
+      <p:ext uri="{BB962C8B-B14F-4D97-AF65-F5344CB8AC3E}">
+        <p14:creationId xmlns:p14="http://schemas.microsoft.com/office/powerpoint/2010/main" val="1964340953"/>
+      </p:ext>
+    </p:extLst>
+  </p:cSld>
+  <p:clrMapOvr>
+    <a:masterClrMapping/>
+  </p:clrMapOvr>
+</p:sld>
+</file>
+
+<file path=ppt/slides/slide19.xml><?xml version="1.0" encoding="utf-8"?>
+<p:sld xmlns:a="http://schemas.openxmlformats.org/drawingml/2006/main" xmlns:r="http://schemas.openxmlformats.org/officeDocument/2006/relationships" xmlns:p="http://schemas.openxmlformats.org/presentationml/2006/main">
+  <p:cSld>
+    <p:spTree>
+      <p:nvGrpSpPr>
+        <p:cNvPr id="1" name=""/>
+        <p:cNvGrpSpPr/>
+        <p:nvPr/>
+      </p:nvGrpSpPr>
+      <p:grpSpPr>
+        <a:xfrm>
+          <a:off x="0" y="0"/>
+          <a:ext cx="0" cy="0"/>
+          <a:chOff x="0" y="0"/>
+          <a:chExt cx="0" cy="0"/>
+        </a:xfrm>
+      </p:grpSpPr>
+      <p:graphicFrame>
+        <p:nvGraphicFramePr>
+          <p:cNvPr id="4" name="Tijdelijke aanduiding voor inhoud 3"/>
+          <p:cNvGraphicFramePr>
+            <a:graphicFrameLocks noGrp="1"/>
+          </p:cNvGraphicFramePr>
+          <p:nvPr>
+            <p:ph idx="1"/>
+            <p:extLst>
+              <p:ext uri="{D42A27DB-BD31-4B8C-83A1-F6EECF244321}">
+                <p14:modId xmlns:p14="http://schemas.microsoft.com/office/powerpoint/2010/main" val="1144180340"/>
+              </p:ext>
+            </p:extLst>
+          </p:nvPr>
+        </p:nvGraphicFramePr>
+        <p:xfrm>
+          <a:off x="838196" y="2431861"/>
+          <a:ext cx="10515603" cy="3876040"/>
+        </p:xfrm>
+        <a:graphic>
+          <a:graphicData uri="http://schemas.openxmlformats.org/drawingml/2006/table">
+            <a:tbl>
+              <a:tblPr firstRow="1" bandRow="1">
+                <a:tableStyleId>{F5AB1C69-6EDB-4FF4-983F-18BD219EF322}</a:tableStyleId>
+              </a:tblPr>
+              <a:tblGrid>
+                <a:gridCol w="1502229"/>
+                <a:gridCol w="1502229"/>
+                <a:gridCol w="1502229"/>
+                <a:gridCol w="1502229"/>
+                <a:gridCol w="1502229"/>
+                <a:gridCol w="1502229"/>
+                <a:gridCol w="1502229"/>
+              </a:tblGrid>
+              <a:tr h="370840">
+                <a:tc>
+                  <a:txBody>
+                    <a:bodyPr/>
+                    <a:lstStyle/>
+                    <a:p>
+                      <a:r>
+                        <a:rPr lang="nl-NL" dirty="0" smtClean="0"/>
+                        <a:t>Bord</a:t>
+                      </a:r>
+                      <a:endParaRPr lang="nl-NL" dirty="0"/>
+                    </a:p>
+                  </a:txBody>
+                  <a:tcPr/>
+                </a:tc>
+                <a:tc>
+                  <a:txBody>
+                    <a:bodyPr/>
+                    <a:lstStyle/>
+                    <a:p>
+                      <a:r>
+                        <a:rPr lang="nl-NL" dirty="0" smtClean="0"/>
+                        <a:t>1</a:t>
+                      </a:r>
+                      <a:endParaRPr lang="nl-NL" dirty="0"/>
+                    </a:p>
+                  </a:txBody>
+                  <a:tcPr/>
+                </a:tc>
+                <a:tc>
+                  <a:txBody>
+                    <a:bodyPr/>
+                    <a:lstStyle/>
+                    <a:p>
+                      <a:r>
+                        <a:rPr lang="nl-NL" dirty="0" smtClean="0"/>
+                        <a:t>2</a:t>
+                      </a:r>
+                      <a:endParaRPr lang="nl-NL" dirty="0"/>
+                    </a:p>
+                  </a:txBody>
+                  <a:tcPr/>
+                </a:tc>
+                <a:tc>
+                  <a:txBody>
+                    <a:bodyPr/>
+                    <a:lstStyle/>
+                    <a:p>
+                      <a:r>
+                        <a:rPr lang="nl-NL" dirty="0" smtClean="0"/>
+                        <a:t>3</a:t>
+                      </a:r>
+                      <a:endParaRPr lang="nl-NL" dirty="0"/>
+                    </a:p>
+                  </a:txBody>
+                  <a:tcPr/>
+                </a:tc>
+                <a:tc>
+                  <a:txBody>
+                    <a:bodyPr/>
+                    <a:lstStyle/>
+                    <a:p>
+                      <a:r>
+                        <a:rPr lang="nl-NL" dirty="0" smtClean="0"/>
+                        <a:t>4</a:t>
+                      </a:r>
+                      <a:endParaRPr lang="nl-NL" dirty="0"/>
+                    </a:p>
+                  </a:txBody>
+                  <a:tcPr/>
+                </a:tc>
+                <a:tc>
+                  <a:txBody>
+                    <a:bodyPr/>
+                    <a:lstStyle/>
+                    <a:p>
+                      <a:r>
+                        <a:rPr lang="nl-NL" dirty="0" smtClean="0"/>
+                        <a:t>5</a:t>
+                      </a:r>
+                      <a:endParaRPr lang="nl-NL" dirty="0"/>
+                    </a:p>
+                  </a:txBody>
+                  <a:tcPr/>
+                </a:tc>
+                <a:tc>
+                  <a:txBody>
+                    <a:bodyPr/>
+                    <a:lstStyle/>
+                    <a:p>
+                      <a:r>
+                        <a:rPr lang="nl-NL" dirty="0" smtClean="0"/>
+                        <a:t>6</a:t>
+                      </a:r>
+                      <a:endParaRPr lang="nl-NL" dirty="0"/>
+                    </a:p>
+                  </a:txBody>
+                  <a:tcPr/>
+                </a:tc>
+              </a:tr>
+              <a:tr h="370840">
+                <a:tc>
+                  <a:txBody>
+                    <a:bodyPr/>
+                    <a:lstStyle/>
+                    <a:p>
+                      <a:r>
+                        <a:rPr lang="nl-NL" dirty="0" smtClean="0"/>
+                        <a:t>Bordgrootte</a:t>
+                      </a:r>
+                      <a:endParaRPr lang="nl-NL" dirty="0"/>
+                    </a:p>
+                  </a:txBody>
+                  <a:tcPr/>
+                </a:tc>
+                <a:tc>
+                  <a:txBody>
+                    <a:bodyPr/>
+                    <a:lstStyle/>
+                    <a:p>
+                      <a:r>
+                        <a:rPr lang="nl-NL" dirty="0" smtClean="0"/>
+                        <a:t>17 x 17</a:t>
+                      </a:r>
+                      <a:endParaRPr lang="nl-NL" dirty="0"/>
+                    </a:p>
+                  </a:txBody>
+                  <a:tcPr/>
+                </a:tc>
+                <a:tc>
+                  <a:txBody>
+                    <a:bodyPr/>
+                    <a:lstStyle/>
+                    <a:p>
+                      <a:r>
+                        <a:rPr lang="nl-NL" dirty="0" smtClean="0"/>
+                        <a:t>23 x 27</a:t>
+                      </a:r>
+                      <a:endParaRPr lang="nl-NL" dirty="0"/>
+                    </a:p>
+                  </a:txBody>
+                  <a:tcPr/>
+                </a:tc>
+                <a:tc>
+                  <a:txBody>
+                    <a:bodyPr/>
+                    <a:lstStyle/>
+                    <a:p>
+                      <a:r>
+                        <a:rPr lang="nl-NL" dirty="0" smtClean="0"/>
+                        <a:t>55 x 56</a:t>
+                      </a:r>
+                      <a:endParaRPr lang="nl-NL" dirty="0"/>
+                    </a:p>
+                  </a:txBody>
+                  <a:tcPr/>
+                </a:tc>
+                <a:tc>
+                  <a:txBody>
+                    <a:bodyPr/>
+                    <a:lstStyle/>
+                    <a:p>
+                      <a:endParaRPr lang="nl-NL" dirty="0"/>
+                    </a:p>
+                  </a:txBody>
+                  <a:tcPr/>
+                </a:tc>
+                <a:tc>
+                  <a:txBody>
+                    <a:bodyPr/>
+                    <a:lstStyle/>
+                    <a:p>
+                      <a:endParaRPr lang="nl-NL" dirty="0"/>
+                    </a:p>
+                  </a:txBody>
+                  <a:tcPr/>
+                </a:tc>
+                <a:tc>
+                  <a:txBody>
+                    <a:bodyPr/>
+                    <a:lstStyle/>
+                    <a:p>
+                      <a:endParaRPr lang="nl-NL" dirty="0"/>
+                    </a:p>
+                  </a:txBody>
+                  <a:tcPr/>
+                </a:tc>
+              </a:tr>
+              <a:tr h="370840">
+                <a:tc>
+                  <a:txBody>
+                    <a:bodyPr/>
+                    <a:lstStyle/>
+                    <a:p>
+                      <a:r>
+                        <a:rPr lang="nl-NL" dirty="0" smtClean="0"/>
+                        <a:t>Aantal</a:t>
+                      </a:r>
+                      <a:r>
+                        <a:rPr lang="nl-NL" baseline="0" dirty="0" smtClean="0"/>
+                        <a:t> tegels</a:t>
+                      </a:r>
+                      <a:endParaRPr lang="nl-NL" dirty="0"/>
+                    </a:p>
+                  </a:txBody>
+                  <a:tcPr/>
+                </a:tc>
+                <a:tc>
+                  <a:txBody>
+                    <a:bodyPr/>
+                    <a:lstStyle/>
+                    <a:p>
+                      <a:r>
+                        <a:rPr lang="nl-NL" dirty="0" smtClean="0"/>
+                        <a:t>14</a:t>
+                      </a:r>
+                      <a:endParaRPr lang="nl-NL" dirty="0"/>
+                    </a:p>
+                  </a:txBody>
+                  <a:tcPr/>
+                </a:tc>
+                <a:tc>
+                  <a:txBody>
+                    <a:bodyPr/>
+                    <a:lstStyle/>
+                    <a:p>
+                      <a:r>
+                        <a:rPr lang="nl-NL" dirty="0" smtClean="0"/>
+                        <a:t>15</a:t>
+                      </a:r>
+                      <a:endParaRPr lang="nl-NL" dirty="0"/>
+                    </a:p>
+                  </a:txBody>
+                  <a:tcPr/>
+                </a:tc>
+                <a:tc>
+                  <a:txBody>
+                    <a:bodyPr/>
+                    <a:lstStyle/>
+                    <a:p>
+                      <a:r>
+                        <a:rPr lang="nl-NL" dirty="0" smtClean="0"/>
+                        <a:t>20</a:t>
+                      </a:r>
+                      <a:endParaRPr lang="nl-NL" dirty="0"/>
+                    </a:p>
+                  </a:txBody>
+                  <a:tcPr/>
+                </a:tc>
+                <a:tc>
+                  <a:txBody>
+                    <a:bodyPr/>
+                    <a:lstStyle/>
+                    <a:p>
+                      <a:endParaRPr lang="nl-NL" dirty="0"/>
+                    </a:p>
+                  </a:txBody>
+                  <a:tcPr/>
+                </a:tc>
+                <a:tc>
+                  <a:txBody>
+                    <a:bodyPr/>
+                    <a:lstStyle/>
+                    <a:p>
+                      <a:endParaRPr lang="nl-NL" dirty="0"/>
+                    </a:p>
+                  </a:txBody>
+                  <a:tcPr/>
+                </a:tc>
+                <a:tc>
+                  <a:txBody>
+                    <a:bodyPr/>
+                    <a:lstStyle/>
+                    <a:p>
+                      <a:endParaRPr lang="nl-NL" dirty="0"/>
+                    </a:p>
+                  </a:txBody>
+                  <a:tcPr/>
+                </a:tc>
+              </a:tr>
+              <a:tr h="370840">
+                <a:tc>
+                  <a:txBody>
+                    <a:bodyPr/>
+                    <a:lstStyle/>
+                    <a:p>
+                      <a:r>
+                        <a:rPr lang="nl-NL" dirty="0" err="1" smtClean="0"/>
+                        <a:t>Statesp</a:t>
+                      </a:r>
+                      <a:r>
+                        <a:rPr lang="nl-NL" dirty="0" smtClean="0"/>
+                        <a:t>.</a:t>
+                      </a:r>
+                      <a:endParaRPr lang="nl-NL" dirty="0"/>
+                    </a:p>
+                  </a:txBody>
+                  <a:tcPr/>
+                </a:tc>
+                <a:tc>
+                  <a:txBody>
+                    <a:bodyPr/>
+                    <a:lstStyle/>
+                    <a:p>
+                      <a:r>
+                        <a:rPr lang="nl-NL" dirty="0" smtClean="0"/>
+                        <a:t>14!</a:t>
+                      </a:r>
+                      <a:endParaRPr lang="nl-NL" dirty="0"/>
+                    </a:p>
+                  </a:txBody>
+                  <a:tcPr/>
+                </a:tc>
+                <a:tc>
+                  <a:txBody>
+                    <a:bodyPr/>
+                    <a:lstStyle/>
+                    <a:p>
+                      <a:r>
+                        <a:rPr lang="nl-NL" dirty="0" smtClean="0"/>
+                        <a:t>15!</a:t>
+                      </a:r>
+                      <a:endParaRPr lang="nl-NL" dirty="0"/>
+                    </a:p>
+                  </a:txBody>
+                  <a:tcPr/>
+                </a:tc>
+                <a:tc>
+                  <a:txBody>
+                    <a:bodyPr/>
+                    <a:lstStyle/>
+                    <a:p>
+                      <a:r>
+                        <a:rPr lang="nl-NL" dirty="0" smtClean="0"/>
+                        <a:t>20!</a:t>
+                      </a:r>
+                      <a:endParaRPr lang="nl-NL" dirty="0"/>
+                    </a:p>
+                  </a:txBody>
+                  <a:tcPr/>
+                </a:tc>
+                <a:tc>
+                  <a:txBody>
+                    <a:bodyPr/>
+                    <a:lstStyle/>
+                    <a:p>
+                      <a:endParaRPr lang="nl-NL" dirty="0"/>
+                    </a:p>
+                  </a:txBody>
+                  <a:tcPr/>
+                </a:tc>
+                <a:tc>
+                  <a:txBody>
+                    <a:bodyPr/>
+                    <a:lstStyle/>
+                    <a:p>
+                      <a:endParaRPr lang="nl-NL" dirty="0"/>
+                    </a:p>
+                  </a:txBody>
+                  <a:tcPr/>
+                </a:tc>
+                <a:tc>
+                  <a:txBody>
+                    <a:bodyPr/>
+                    <a:lstStyle/>
+                    <a:p>
+                      <a:endParaRPr lang="nl-NL" dirty="0"/>
+                    </a:p>
+                  </a:txBody>
+                  <a:tcPr/>
+                </a:tc>
+              </a:tr>
+              <a:tr h="370840">
+                <a:tc>
+                  <a:txBody>
+                    <a:bodyPr/>
+                    <a:lstStyle/>
+                    <a:p>
+                      <a:r>
+                        <a:rPr lang="nl-NL" dirty="0" smtClean="0"/>
+                        <a:t>Oplossingen</a:t>
+                      </a:r>
+                      <a:endParaRPr lang="nl-NL" dirty="0"/>
+                    </a:p>
+                  </a:txBody>
+                  <a:tcPr/>
+                </a:tc>
+                <a:tc>
+                  <a:txBody>
+                    <a:bodyPr/>
+                    <a:lstStyle/>
+                    <a:p>
+                      <a:r>
+                        <a:rPr lang="nl-NL" dirty="0" smtClean="0"/>
+                        <a:t>24</a:t>
+                      </a:r>
+                      <a:endParaRPr lang="nl-NL" dirty="0"/>
+                    </a:p>
+                  </a:txBody>
+                  <a:tcPr/>
+                </a:tc>
+                <a:tc>
+                  <a:txBody>
+                    <a:bodyPr/>
+                    <a:lstStyle/>
+                    <a:p>
+                      <a:r>
+                        <a:rPr lang="nl-NL" dirty="0" smtClean="0"/>
+                        <a:t>224</a:t>
+                      </a:r>
+                      <a:endParaRPr lang="nl-NL" dirty="0"/>
+                    </a:p>
+                  </a:txBody>
+                  <a:tcPr/>
+                </a:tc>
+                <a:tc>
+                  <a:txBody>
+                    <a:bodyPr/>
+                    <a:lstStyle/>
+                    <a:p>
+                      <a:endParaRPr lang="nl-NL" dirty="0"/>
+                    </a:p>
+                  </a:txBody>
+                  <a:tcPr/>
+                </a:tc>
+                <a:tc>
+                  <a:txBody>
+                    <a:bodyPr/>
+                    <a:lstStyle/>
+                    <a:p>
+                      <a:endParaRPr lang="nl-NL"/>
+                    </a:p>
+                  </a:txBody>
+                  <a:tcPr/>
+                </a:tc>
+                <a:tc>
+                  <a:txBody>
+                    <a:bodyPr/>
+                    <a:lstStyle/>
+                    <a:p>
+                      <a:endParaRPr lang="nl-NL"/>
+                    </a:p>
+                  </a:txBody>
+                  <a:tcPr/>
+                </a:tc>
+                <a:tc>
+                  <a:txBody>
+                    <a:bodyPr/>
+                    <a:lstStyle/>
+                    <a:p>
+                      <a:endParaRPr lang="nl-NL"/>
+                    </a:p>
+                  </a:txBody>
+                  <a:tcPr/>
+                </a:tc>
+              </a:tr>
+              <a:tr h="370840">
+                <a:tc>
+                  <a:txBody>
+                    <a:bodyPr/>
+                    <a:lstStyle/>
+                    <a:p>
+                      <a:r>
+                        <a:rPr lang="nl-NL" dirty="0" smtClean="0"/>
+                        <a:t>Iteraties (met dr.)</a:t>
+                      </a:r>
+                      <a:endParaRPr lang="nl-NL" dirty="0"/>
+                    </a:p>
+                  </a:txBody>
+                  <a:tcPr/>
+                </a:tc>
+                <a:tc>
+                  <a:txBody>
+                    <a:bodyPr/>
+                    <a:lstStyle/>
+                    <a:p>
+                      <a:r>
+                        <a:rPr lang="nl-NL" dirty="0" smtClean="0"/>
+                        <a:t>929</a:t>
+                      </a:r>
+                      <a:endParaRPr lang="nl-NL" dirty="0"/>
+                    </a:p>
+                  </a:txBody>
+                  <a:tcPr/>
+                </a:tc>
+                <a:tc>
+                  <a:txBody>
+                    <a:bodyPr/>
+                    <a:lstStyle/>
+                    <a:p>
+                      <a:r>
+                        <a:rPr lang="nl-NL" dirty="0" smtClean="0"/>
+                        <a:t>797.005</a:t>
+                      </a:r>
+                      <a:endParaRPr lang="nl-NL" dirty="0"/>
+                    </a:p>
+                  </a:txBody>
+                  <a:tcPr/>
+                </a:tc>
+                <a:tc>
+                  <a:txBody>
+                    <a:bodyPr/>
+                    <a:lstStyle/>
+                    <a:p>
+                      <a:endParaRPr lang="nl-NL" dirty="0"/>
+                    </a:p>
+                  </a:txBody>
+                  <a:tcPr/>
+                </a:tc>
+                <a:tc>
+                  <a:txBody>
+                    <a:bodyPr/>
+                    <a:lstStyle/>
+                    <a:p>
+                      <a:endParaRPr lang="nl-NL" dirty="0"/>
+                    </a:p>
+                  </a:txBody>
+                  <a:tcPr/>
+                </a:tc>
+                <a:tc>
+                  <a:txBody>
+                    <a:bodyPr/>
+                    <a:lstStyle/>
+                    <a:p>
+                      <a:endParaRPr lang="nl-NL" dirty="0"/>
+                    </a:p>
+                  </a:txBody>
+                  <a:tcPr/>
+                </a:tc>
+                <a:tc>
+                  <a:txBody>
+                    <a:bodyPr/>
+                    <a:lstStyle/>
+                    <a:p>
+                      <a:endParaRPr lang="nl-NL" dirty="0"/>
+                    </a:p>
+                  </a:txBody>
+                  <a:tcPr/>
+                </a:tc>
+              </a:tr>
+              <a:tr h="370840">
+                <a:tc>
+                  <a:txBody>
+                    <a:bodyPr/>
+                    <a:lstStyle/>
+                    <a:p>
+                      <a:r>
+                        <a:rPr lang="nl-NL" dirty="0" smtClean="0"/>
+                        <a:t>Tijd 1 oplossing</a:t>
+                      </a:r>
+                      <a:endParaRPr lang="nl-NL" dirty="0"/>
+                    </a:p>
+                  </a:txBody>
+                  <a:tcPr/>
+                </a:tc>
+                <a:tc>
+                  <a:txBody>
+                    <a:bodyPr/>
+                    <a:lstStyle/>
+                    <a:p>
+                      <a:r>
+                        <a:rPr lang="nl-NL" dirty="0" smtClean="0"/>
+                        <a:t>instantaan</a:t>
+                      </a:r>
+                      <a:endParaRPr lang="nl-NL" dirty="0"/>
+                    </a:p>
+                  </a:txBody>
+                  <a:tcPr/>
+                </a:tc>
+                <a:tc>
+                  <a:txBody>
+                    <a:bodyPr/>
+                    <a:lstStyle/>
+                    <a:p>
+                      <a:r>
+                        <a:rPr lang="nl-NL" dirty="0" smtClean="0"/>
+                        <a:t>6 seconden</a:t>
+                      </a:r>
+                      <a:endParaRPr lang="nl-NL" dirty="0"/>
+                    </a:p>
+                  </a:txBody>
+                  <a:tcPr/>
+                </a:tc>
+                <a:tc>
+                  <a:txBody>
+                    <a:bodyPr/>
+                    <a:lstStyle/>
+                    <a:p>
+                      <a:r>
+                        <a:rPr lang="nl-NL" dirty="0" smtClean="0"/>
+                        <a:t>1,5 minuut</a:t>
+                      </a:r>
+                      <a:endParaRPr lang="nl-NL" dirty="0"/>
+                    </a:p>
+                  </a:txBody>
+                  <a:tcPr/>
+                </a:tc>
+                <a:tc>
+                  <a:txBody>
+                    <a:bodyPr/>
+                    <a:lstStyle/>
+                    <a:p>
+                      <a:endParaRPr lang="nl-NL" dirty="0"/>
+                    </a:p>
+                  </a:txBody>
+                  <a:tcPr/>
+                </a:tc>
+                <a:tc>
+                  <a:txBody>
+                    <a:bodyPr/>
+                    <a:lstStyle/>
+                    <a:p>
+                      <a:endParaRPr lang="nl-NL" dirty="0"/>
+                    </a:p>
+                  </a:txBody>
+                  <a:tcPr/>
+                </a:tc>
+                <a:tc>
+                  <a:txBody>
+                    <a:bodyPr/>
+                    <a:lstStyle/>
+                    <a:p>
+                      <a:endParaRPr lang="nl-NL" dirty="0"/>
+                    </a:p>
+                  </a:txBody>
+                  <a:tcPr/>
+                </a:tc>
+              </a:tr>
+              <a:tr h="370840">
+                <a:tc>
+                  <a:txBody>
+                    <a:bodyPr/>
+                    <a:lstStyle/>
+                    <a:p>
+                      <a:endParaRPr lang="nl-NL" dirty="0"/>
+                    </a:p>
+                  </a:txBody>
+                  <a:tcPr/>
+                </a:tc>
+                <a:tc>
+                  <a:txBody>
+                    <a:bodyPr/>
+                    <a:lstStyle/>
+                    <a:p>
+                      <a:endParaRPr lang="nl-NL" dirty="0"/>
+                    </a:p>
+                  </a:txBody>
+                  <a:tcPr/>
+                </a:tc>
+                <a:tc>
+                  <a:txBody>
+                    <a:bodyPr/>
+                    <a:lstStyle/>
+                    <a:p>
+                      <a:endParaRPr lang="nl-NL" dirty="0"/>
+                    </a:p>
+                  </a:txBody>
+                  <a:tcPr/>
+                </a:tc>
+                <a:tc>
+                  <a:txBody>
+                    <a:bodyPr/>
+                    <a:lstStyle/>
+                    <a:p>
+                      <a:endParaRPr lang="nl-NL" dirty="0"/>
+                    </a:p>
+                  </a:txBody>
+                  <a:tcPr/>
+                </a:tc>
+                <a:tc>
+                  <a:txBody>
+                    <a:bodyPr/>
+                    <a:lstStyle/>
+                    <a:p>
+                      <a:endParaRPr lang="nl-NL" dirty="0"/>
+                    </a:p>
+                  </a:txBody>
+                  <a:tcPr/>
+                </a:tc>
+                <a:tc>
+                  <a:txBody>
+                    <a:bodyPr/>
+                    <a:lstStyle/>
+                    <a:p>
+                      <a:endParaRPr lang="nl-NL" dirty="0"/>
+                    </a:p>
+                  </a:txBody>
+                  <a:tcPr/>
+                </a:tc>
+                <a:tc>
+                  <a:txBody>
+                    <a:bodyPr/>
+                    <a:lstStyle/>
+                    <a:p>
+                      <a:endParaRPr lang="nl-NL" dirty="0"/>
+                    </a:p>
+                  </a:txBody>
+                  <a:tcPr/>
+                </a:tc>
+              </a:tr>
+              <a:tr h="370840">
+                <a:tc>
+                  <a:txBody>
+                    <a:bodyPr/>
+                    <a:lstStyle/>
+                    <a:p>
+                      <a:endParaRPr lang="nl-NL"/>
+                    </a:p>
+                  </a:txBody>
+                  <a:tcPr/>
+                </a:tc>
+                <a:tc>
+                  <a:txBody>
+                    <a:bodyPr/>
+                    <a:lstStyle/>
+                    <a:p>
+                      <a:endParaRPr lang="nl-NL"/>
+                    </a:p>
+                  </a:txBody>
+                  <a:tcPr/>
+                </a:tc>
+                <a:tc>
+                  <a:txBody>
+                    <a:bodyPr/>
+                    <a:lstStyle/>
+                    <a:p>
+                      <a:endParaRPr lang="nl-NL"/>
+                    </a:p>
+                  </a:txBody>
+                  <a:tcPr/>
+                </a:tc>
+                <a:tc>
+                  <a:txBody>
+                    <a:bodyPr/>
+                    <a:lstStyle/>
+                    <a:p>
+                      <a:endParaRPr lang="nl-NL" dirty="0"/>
+                    </a:p>
+                  </a:txBody>
+                  <a:tcPr/>
+                </a:tc>
+                <a:tc>
+                  <a:txBody>
+                    <a:bodyPr/>
+                    <a:lstStyle/>
+                    <a:p>
+                      <a:endParaRPr lang="nl-NL" dirty="0"/>
+                    </a:p>
+                  </a:txBody>
+                  <a:tcPr/>
+                </a:tc>
+                <a:tc>
+                  <a:txBody>
+                    <a:bodyPr/>
+                    <a:lstStyle/>
+                    <a:p>
+                      <a:endParaRPr lang="nl-NL" dirty="0"/>
+                    </a:p>
+                  </a:txBody>
+                  <a:tcPr/>
+                </a:tc>
+                <a:tc>
+                  <a:txBody>
+                    <a:bodyPr/>
+                    <a:lstStyle/>
+                    <a:p>
+                      <a:endParaRPr lang="nl-NL" dirty="0"/>
+                    </a:p>
+                  </a:txBody>
+                  <a:tcPr/>
+                </a:tc>
+              </a:tr>
+            </a:tbl>
+          </a:graphicData>
+        </a:graphic>
+      </p:graphicFrame>
+      <p:pic>
+        <p:nvPicPr>
+          <p:cNvPr id="6" name="Afbeelding 5"/>
+          <p:cNvPicPr>
+            <a:picLocks noChangeAspect="1"/>
+          </p:cNvPicPr>
+          <p:nvPr/>
+        </p:nvPicPr>
+        <p:blipFill>
+          <a:blip r:embed="rId2"/>
+          <a:stretch>
+            <a:fillRect/>
+          </a:stretch>
+        </p:blipFill>
+        <p:spPr>
+          <a:xfrm>
+            <a:off x="2464858" y="728394"/>
+            <a:ext cx="1269544" cy="1274601"/>
+          </a:xfrm>
+          <a:prstGeom prst="rect">
+            <a:avLst/>
+          </a:prstGeom>
+        </p:spPr>
+      </p:pic>
+      <p:pic>
+        <p:nvPicPr>
+          <p:cNvPr id="7" name="Afbeelding 6"/>
+          <p:cNvPicPr>
+            <a:picLocks noChangeAspect="1"/>
+          </p:cNvPicPr>
+          <p:nvPr/>
+        </p:nvPicPr>
+        <p:blipFill>
+          <a:blip r:embed="rId3" cstate="print">
+            <a:extLst>
+              <a:ext uri="{28A0092B-C50C-407E-A947-70E740481C1C}">
+                <a14:useLocalDpi xmlns:a14="http://schemas.microsoft.com/office/drawing/2010/main" val="0"/>
+              </a:ext>
+            </a:extLst>
+          </a:blip>
+          <a:stretch>
+            <a:fillRect/>
+          </a:stretch>
+        </p:blipFill>
+        <p:spPr>
+          <a:xfrm>
+            <a:off x="4028947" y="698776"/>
+            <a:ext cx="1132601" cy="1333835"/>
+          </a:xfrm>
+          <a:prstGeom prst="rect">
+            <a:avLst/>
+          </a:prstGeom>
+        </p:spPr>
+      </p:pic>
+      <p:pic>
+        <p:nvPicPr>
+          <p:cNvPr id="8" name="Afbeelding 7"/>
+          <p:cNvPicPr>
+            <a:picLocks noChangeAspect="1"/>
+          </p:cNvPicPr>
+          <p:nvPr/>
+        </p:nvPicPr>
+        <p:blipFill>
+          <a:blip r:embed="rId4" cstate="print">
+            <a:extLst>
+              <a:ext uri="{28A0092B-C50C-407E-A947-70E740481C1C}">
+                <a14:useLocalDpi xmlns:a14="http://schemas.microsoft.com/office/drawing/2010/main" val="0"/>
+              </a:ext>
+            </a:extLst>
+          </a:blip>
+          <a:stretch>
+            <a:fillRect/>
+          </a:stretch>
+        </p:blipFill>
+        <p:spPr>
+          <a:xfrm>
+            <a:off x="5456093" y="758010"/>
+            <a:ext cx="1279810" cy="1274601"/>
+          </a:xfrm>
+          <a:prstGeom prst="rect">
+            <a:avLst/>
+          </a:prstGeom>
+        </p:spPr>
+      </p:pic>
+      <p:pic>
+        <p:nvPicPr>
+          <p:cNvPr id="10" name="Afbeelding 9"/>
+          <p:cNvPicPr>
+            <a:picLocks noChangeAspect="1"/>
+          </p:cNvPicPr>
+          <p:nvPr/>
+        </p:nvPicPr>
+        <p:blipFill>
+          <a:blip r:embed="rId5"/>
+          <a:stretch>
+            <a:fillRect/>
+          </a:stretch>
+        </p:blipFill>
+        <p:spPr>
+          <a:xfrm>
+            <a:off x="7030448" y="371551"/>
+            <a:ext cx="1151025" cy="1661060"/>
+          </a:xfrm>
+          <a:prstGeom prst="rect">
+            <a:avLst/>
+          </a:prstGeom>
+        </p:spPr>
+      </p:pic>
+    </p:spTree>
+    <p:extLst>
+      <p:ext uri="{BB962C8B-B14F-4D97-AF65-F5344CB8AC3E}">
+        <p14:creationId xmlns:p14="http://schemas.microsoft.com/office/powerpoint/2010/main" val="2791590973"/>
+      </p:ext>
+    </p:extLst>
+  </p:cSld>
+  <p:clrMapOvr>
+    <a:masterClrMapping/>
+  </p:clrMapOvr>
 </p:sld>
 </file>
 
@@ -3921,7 +5983,7 @@
         <p:spPr>
           <a:xfrm>
             <a:off x="324853" y="5702968"/>
-            <a:ext cx="11237494" cy="523220"/>
+            <a:ext cx="11718758" cy="954107"/>
           </a:xfrm>
           <a:prstGeom prst="rect">
             <a:avLst/>
@@ -3934,15 +5996,137 @@
           </a:bodyPr>
           <a:lstStyle/>
           <a:p>
-            <a:r>
-              <a:rPr lang="nl-NL" dirty="0" smtClean="0"/>
-              <a:t>	</a:t>
+            <a:pPr fontAlgn="ctr"/>
+            <a:r>
+              <a:rPr lang="nl-NL" sz="2800" dirty="0"/>
+              <a:t> </a:t>
             </a:r>
             <a:r>
               <a:rPr lang="nl-NL" sz="2800" dirty="0" smtClean="0"/>
-              <a:t>	14!				     15!				    20! </a:t>
+              <a:t>    </a:t>
+            </a:r>
+            <a:r>
+              <a:rPr lang="nl-NL" sz="2800" dirty="0" smtClean="0"/>
+              <a:t>14! = </a:t>
+            </a:r>
+            <a:r>
+              <a:rPr lang="nl-NL" sz="2800" dirty="0" smtClean="0"/>
+              <a:t>87178291200</a:t>
+            </a:r>
+            <a:r>
+              <a:rPr lang="nl-NL" sz="2800" dirty="0" smtClean="0"/>
+              <a:t>	         15! </a:t>
+            </a:r>
+            <a:r>
+              <a:rPr lang="nl-NL" sz="2800" dirty="0" smtClean="0"/>
+              <a:t>= 1.3076744e+12    	20! = 2.432902e+18</a:t>
+            </a:r>
+          </a:p>
+          <a:p>
+            <a:pPr fontAlgn="ctr"/>
+            <a:r>
+              <a:rPr lang="nl-NL" sz="2800" dirty="0"/>
+              <a:t> </a:t>
+            </a:r>
+            <a:r>
+              <a:rPr lang="nl-NL" sz="2800" dirty="0" smtClean="0"/>
+              <a:t>     87 miljard			13 triljoen			  2432 triljard</a:t>
             </a:r>
             <a:endParaRPr lang="nl-NL" sz="2800" dirty="0"/>
+          </a:p>
+        </p:txBody>
+      </p:sp>
+      <p:pic>
+        <p:nvPicPr>
+          <p:cNvPr id="6" name="Afbeelding 5"/>
+          <p:cNvPicPr>
+            <a:picLocks noChangeAspect="1"/>
+          </p:cNvPicPr>
+          <p:nvPr/>
+        </p:nvPicPr>
+        <p:blipFill>
+          <a:blip r:embed="rId5">
+            <a:extLst>
+              <a:ext uri="{28A0092B-C50C-407E-A947-70E740481C1C}">
+                <a14:useLocalDpi xmlns:a14="http://schemas.microsoft.com/office/drawing/2010/main" val="0"/>
+              </a:ext>
+            </a:extLst>
+          </a:blip>
+          <a:stretch>
+            <a:fillRect/>
+          </a:stretch>
+        </p:blipFill>
+        <p:spPr>
+          <a:xfrm>
+            <a:off x="7415" y="0"/>
+            <a:ext cx="2249400" cy="1875354"/>
+          </a:xfrm>
+          <a:prstGeom prst="rect">
+            <a:avLst/>
+          </a:prstGeom>
+        </p:spPr>
+      </p:pic>
+      <p:sp>
+        <p:nvSpPr>
+          <p:cNvPr id="7" name="Rechthoek 6"/>
+          <p:cNvSpPr/>
+          <p:nvPr/>
+        </p:nvSpPr>
+        <p:spPr>
+          <a:xfrm>
+            <a:off x="324853" y="614511"/>
+            <a:ext cx="2947736" cy="646331"/>
+          </a:xfrm>
+          <a:prstGeom prst="rect">
+            <a:avLst/>
+          </a:prstGeom>
+          <a:noFill/>
+        </p:spPr>
+        <p:txBody>
+          <a:bodyPr wrap="square" lIns="91440" tIns="45720" rIns="91440" bIns="45720">
+            <a:spAutoFit/>
+          </a:bodyPr>
+          <a:lstStyle/>
+          <a:p>
+            <a:r>
+              <a:rPr lang="nl-NL" sz="3600" b="1" cap="none" spc="0" dirty="0" smtClean="0">
+                <a:ln w="9525">
+                  <a:solidFill>
+                    <a:schemeClr val="bg1"/>
+                  </a:solidFill>
+                  <a:prstDash val="solid"/>
+                </a:ln>
+                <a:solidFill>
+                  <a:schemeClr val="tx1"/>
+                </a:solidFill>
+                <a:effectLst>
+                  <a:outerShdw blurRad="12700" dist="38100" dir="2700000" algn="tl" rotWithShape="0">
+                    <a:schemeClr val="bg1">
+                      <a:lumMod val="50000"/>
+                    </a:schemeClr>
+                  </a:outerShdw>
+                </a:effectLst>
+              </a:rPr>
+              <a:t>768900 km </a:t>
+            </a:r>
+            <a:endParaRPr lang="nl-NL" sz="3600" b="1" cap="none" spc="0" dirty="0">
+              <a:ln w="9525">
+                <a:solidFill>
+                  <a:schemeClr val="bg1"/>
+                </a:solidFill>
+                <a:prstDash val="solid"/>
+              </a:ln>
+              <a:solidFill>
+                <a:schemeClr val="tx1"/>
+              </a:solidFill>
+              <a:effectLst>
+                <a:outerShdw blurRad="12700" dist="38100" dir="2700000" algn="tl" rotWithShape="0">
+                  <a:schemeClr val="bg1">
+                    <a:lumMod val="50000"/>
+                  </a:schemeClr>
+                </a:outerShdw>
+              </a:effectLst>
+            </a:endParaRPr>
           </a:p>
         </p:txBody>
       </p:sp>
@@ -4001,7 +6185,7 @@
             <a:pPr algn="ctr"/>
             <a:r>
               <a:rPr lang="nl-NL" dirty="0" smtClean="0"/>
-              <a:t>Visualisatie</a:t>
+              <a:t>Relevant?</a:t>
             </a:r>
             <a:endParaRPr lang="nl-NL" dirty="0"/>
           </a:p>
@@ -4018,101 +6202,55 @@
           </p:nvPr>
         </p:nvPicPr>
         <p:blipFill>
-          <a:blip r:embed="rId2">
-            <a:extLst>
-              <a:ext uri="{28A0092B-C50C-407E-A947-70E740481C1C}">
-                <a14:useLocalDpi xmlns:a14="http://schemas.microsoft.com/office/drawing/2010/main" val="0"/>
-              </a:ext>
-            </a:extLst>
-          </a:blip>
+          <a:blip r:embed="rId2"/>
           <a:stretch>
             <a:fillRect/>
           </a:stretch>
         </p:blipFill>
         <p:spPr>
           <a:xfrm>
-            <a:off x="4148032" y="2399667"/>
-            <a:ext cx="3895934" cy="3895934"/>
-          </a:xfrm>
-        </p:spPr>
-      </p:pic>
-      <p:sp>
-        <p:nvSpPr>
-          <p:cNvPr id="5" name="Tekstvak 4"/>
-          <p:cNvSpPr txBox="1"/>
-          <p:nvPr/>
-        </p:nvSpPr>
-        <p:spPr>
-          <a:xfrm>
-            <a:off x="5820924" y="1690688"/>
-            <a:ext cx="550151" cy="523220"/>
+            <a:off x="625642" y="2365104"/>
+            <a:ext cx="4577014" cy="3432761"/>
           </a:xfrm>
           <a:prstGeom prst="rect">
             <a:avLst/>
           </a:prstGeom>
-          <a:noFill/>
-        </p:spPr>
-        <p:txBody>
-          <a:bodyPr wrap="none" rtlCol="0">
-            <a:spAutoFit/>
-          </a:bodyPr>
-          <a:lstStyle/>
-          <a:p>
-            <a:r>
-              <a:rPr lang="nl-NL" sz="2800" dirty="0" smtClean="0"/>
-              <a:t>17</a:t>
-            </a:r>
-            <a:endParaRPr lang="nl-NL" sz="2800" dirty="0"/>
-          </a:p>
-        </p:txBody>
-      </p:sp>
-      <p:sp>
-        <p:nvSpPr>
-          <p:cNvPr id="6" name="Tekstvak 5"/>
-          <p:cNvSpPr txBox="1"/>
+        </p:spPr>
+      </p:pic>
+      <p:pic>
+        <p:nvPicPr>
+          <p:cNvPr id="5" name="Afbeelding 4"/>
+          <p:cNvPicPr>
+            <a:picLocks noChangeAspect="1"/>
+          </p:cNvPicPr>
           <p:nvPr/>
-        </p:nvSpPr>
+        </p:nvPicPr>
+        <p:blipFill>
+          <a:blip r:embed="rId3"/>
+          <a:stretch>
+            <a:fillRect/>
+          </a:stretch>
+        </p:blipFill>
         <p:spPr>
           <a:xfrm>
-            <a:off x="8295419" y="4086024"/>
-            <a:ext cx="550151" cy="523220"/>
+            <a:off x="5490412" y="2365104"/>
+            <a:ext cx="6096000" cy="3429000"/>
           </a:xfrm>
           <a:prstGeom prst="rect">
             <a:avLst/>
           </a:prstGeom>
-          <a:noFill/>
-        </p:spPr>
-        <p:txBody>
-          <a:bodyPr wrap="none" rtlCol="0">
-            <a:spAutoFit/>
-          </a:bodyPr>
-          <a:lstStyle/>
-          <a:p>
-            <a:r>
-              <a:rPr lang="nl-NL" sz="2800" dirty="0" smtClean="0"/>
-              <a:t>17</a:t>
-            </a:r>
-            <a:endParaRPr lang="nl-NL" sz="2800" dirty="0"/>
-          </a:p>
-        </p:txBody>
-      </p:sp>
+        </p:spPr>
+      </p:pic>
     </p:spTree>
     <p:extLst>
       <p:ext uri="{BB962C8B-B14F-4D97-AF65-F5344CB8AC3E}">
-        <p14:creationId xmlns:p14="http://schemas.microsoft.com/office/powerpoint/2010/main" val="3229045114"/>
+        <p14:creationId xmlns:p14="http://schemas.microsoft.com/office/powerpoint/2010/main" val="1396933233"/>
       </p:ext>
     </p:extLst>
   </p:cSld>
   <p:clrMapOvr>
     <a:masterClrMapping/>
   </p:clrMapOvr>
-  <p:timing>
-    <p:tnLst>
-      <p:par>
-        <p:cTn id="1" dur="indefinite" restart="never" nodeType="tmRoot"/>
-      </p:par>
-    </p:tnLst>
-  </p:timing>
 </p:sld>
 </file>
 
@@ -4159,7 +6297,7 @@
       </p:sp>
       <p:pic>
         <p:nvPicPr>
-          <p:cNvPr id="7" name="Tijdelijke aanduiding voor inhoud 3"/>
+          <p:cNvPr id="4" name="Tijdelijke aanduiding voor inhoud 3"/>
           <p:cNvPicPr>
             <a:picLocks noGrp="1" noChangeAspect="1"/>
           </p:cNvPicPr>
@@ -4182,194 +6320,74 @@
         <p:spPr>
           <a:xfrm>
             <a:off x="4148032" y="2399667"/>
-            <a:ext cx="3744684" cy="3744684"/>
+            <a:ext cx="3895934" cy="3895934"/>
           </a:xfrm>
         </p:spPr>
       </p:pic>
-      <p:pic>
-        <p:nvPicPr>
-          <p:cNvPr id="4" name="Afbeelding 3"/>
-          <p:cNvPicPr>
-            <a:picLocks noChangeAspect="1"/>
-          </p:cNvPicPr>
+      <p:sp>
+        <p:nvSpPr>
+          <p:cNvPr id="5" name="Tekstvak 4"/>
+          <p:cNvSpPr txBox="1"/>
           <p:nvPr/>
-        </p:nvPicPr>
-        <p:blipFill>
-          <a:blip r:embed="rId3">
-            <a:extLst>
-              <a:ext uri="{28A0092B-C50C-407E-A947-70E740481C1C}">
-                <a14:useLocalDpi xmlns:a14="http://schemas.microsoft.com/office/drawing/2010/main" val="0"/>
-              </a:ext>
-            </a:extLst>
-          </a:blip>
-          <a:stretch>
-            <a:fillRect/>
-          </a:stretch>
-        </p:blipFill>
+        </p:nvSpPr>
         <p:spPr>
           <a:xfrm>
-            <a:off x="4148032" y="2399667"/>
-            <a:ext cx="1543012" cy="1554034"/>
+            <a:off x="5820924" y="1690688"/>
+            <a:ext cx="550151" cy="523220"/>
           </a:xfrm>
           <a:prstGeom prst="rect">
             <a:avLst/>
           </a:prstGeom>
-        </p:spPr>
-      </p:pic>
-      <p:pic>
-        <p:nvPicPr>
-          <p:cNvPr id="8" name="Afbeelding 7"/>
-          <p:cNvPicPr>
-            <a:picLocks noChangeAspect="1"/>
-          </p:cNvPicPr>
+          <a:noFill/>
+        </p:spPr>
+        <p:txBody>
+          <a:bodyPr wrap="none" rtlCol="0">
+            <a:spAutoFit/>
+          </a:bodyPr>
+          <a:lstStyle/>
+          <a:p>
+            <a:r>
+              <a:rPr lang="nl-NL" sz="2800" dirty="0" smtClean="0"/>
+              <a:t>17</a:t>
+            </a:r>
+            <a:endParaRPr lang="nl-NL" sz="2800" dirty="0"/>
+          </a:p>
+        </p:txBody>
+      </p:sp>
+      <p:sp>
+        <p:nvSpPr>
+          <p:cNvPr id="6" name="Tekstvak 5"/>
+          <p:cNvSpPr txBox="1"/>
           <p:nvPr/>
-        </p:nvPicPr>
-        <p:blipFill>
-          <a:blip r:embed="rId4">
-            <a:extLst>
-              <a:ext uri="{28A0092B-C50C-407E-A947-70E740481C1C}">
-                <a14:useLocalDpi xmlns:a14="http://schemas.microsoft.com/office/drawing/2010/main" val="0"/>
-              </a:ext>
-            </a:extLst>
-          </a:blip>
-          <a:stretch>
-            <a:fillRect/>
-          </a:stretch>
-        </p:blipFill>
+        </p:nvSpPr>
         <p:spPr>
           <a:xfrm>
-            <a:off x="6333787" y="3494992"/>
-            <a:ext cx="1554034" cy="1554034"/>
+            <a:off x="8211198" y="4086024"/>
+            <a:ext cx="550151" cy="523220"/>
           </a:xfrm>
           <a:prstGeom prst="rect">
             <a:avLst/>
           </a:prstGeom>
-        </p:spPr>
-      </p:pic>
-      <p:pic>
-        <p:nvPicPr>
-          <p:cNvPr id="9" name="Afbeelding 8"/>
-          <p:cNvPicPr>
-            <a:picLocks noChangeAspect="1"/>
-          </p:cNvPicPr>
-          <p:nvPr/>
-        </p:nvPicPr>
-        <p:blipFill>
-          <a:blip r:embed="rId5">
-            <a:extLst>
-              <a:ext uri="{28A0092B-C50C-407E-A947-70E740481C1C}">
-                <a14:useLocalDpi xmlns:a14="http://schemas.microsoft.com/office/drawing/2010/main" val="0"/>
-              </a:ext>
-            </a:extLst>
-          </a:blip>
-          <a:stretch>
-            <a:fillRect/>
-          </a:stretch>
-        </p:blipFill>
-        <p:spPr>
-          <a:xfrm>
-            <a:off x="7235287" y="2399667"/>
-            <a:ext cx="657429" cy="668386"/>
-          </a:xfrm>
-          <a:prstGeom prst="rect">
-            <a:avLst/>
-          </a:prstGeom>
-        </p:spPr>
-      </p:pic>
-      <p:pic>
-        <p:nvPicPr>
-          <p:cNvPr id="10" name="Afbeelding 9"/>
-          <p:cNvPicPr>
-            <a:picLocks noChangeAspect="1"/>
-          </p:cNvPicPr>
-          <p:nvPr/>
-        </p:nvPicPr>
-        <p:blipFill>
-          <a:blip r:embed="rId6">
-            <a:extLst>
-              <a:ext uri="{28A0092B-C50C-407E-A947-70E740481C1C}">
-                <a14:useLocalDpi xmlns:a14="http://schemas.microsoft.com/office/drawing/2010/main" val="0"/>
-              </a:ext>
-            </a:extLst>
-          </a:blip>
-          <a:stretch>
-            <a:fillRect/>
-          </a:stretch>
-        </p:blipFill>
-        <p:spPr>
-          <a:xfrm>
-            <a:off x="5696555" y="5475965"/>
-            <a:ext cx="647638" cy="658432"/>
-          </a:xfrm>
-          <a:prstGeom prst="rect">
-            <a:avLst/>
-          </a:prstGeom>
-        </p:spPr>
-      </p:pic>
-      <p:pic>
-        <p:nvPicPr>
-          <p:cNvPr id="11" name="Afbeelding 10"/>
-          <p:cNvPicPr>
-            <a:picLocks noChangeAspect="1"/>
-          </p:cNvPicPr>
-          <p:nvPr/>
-        </p:nvPicPr>
-        <p:blipFill>
-          <a:blip r:embed="rId7">
-            <a:extLst>
-              <a:ext uri="{28A0092B-C50C-407E-A947-70E740481C1C}">
-                <a14:useLocalDpi xmlns:a14="http://schemas.microsoft.com/office/drawing/2010/main" val="0"/>
-              </a:ext>
-            </a:extLst>
-          </a:blip>
-          <a:stretch>
-            <a:fillRect/>
-          </a:stretch>
-        </p:blipFill>
-        <p:spPr>
-          <a:xfrm>
-            <a:off x="7213190" y="5470988"/>
-            <a:ext cx="679526" cy="668386"/>
-          </a:xfrm>
-          <a:prstGeom prst="rect">
-            <a:avLst/>
-          </a:prstGeom>
-        </p:spPr>
-      </p:pic>
-      <p:pic>
-        <p:nvPicPr>
-          <p:cNvPr id="12" name="Afbeelding 11"/>
-          <p:cNvPicPr>
-            <a:picLocks noChangeAspect="1"/>
-          </p:cNvPicPr>
-          <p:nvPr/>
-        </p:nvPicPr>
-        <p:blipFill>
-          <a:blip r:embed="rId8">
-            <a:extLst>
-              <a:ext uri="{28A0092B-C50C-407E-A947-70E740481C1C}">
-                <a14:useLocalDpi xmlns:a14="http://schemas.microsoft.com/office/drawing/2010/main" val="0"/>
-              </a:ext>
-            </a:extLst>
-          </a:blip>
-          <a:stretch>
-            <a:fillRect/>
-          </a:stretch>
-        </p:blipFill>
-        <p:spPr>
-          <a:xfrm>
-            <a:off x="4581275" y="4170828"/>
-            <a:ext cx="1109769" cy="1088009"/>
-          </a:xfrm>
-          <a:prstGeom prst="rect">
-            <a:avLst/>
-          </a:prstGeom>
-        </p:spPr>
-      </p:pic>
+          <a:noFill/>
+        </p:spPr>
+        <p:txBody>
+          <a:bodyPr wrap="none" rtlCol="0">
+            <a:spAutoFit/>
+          </a:bodyPr>
+          <a:lstStyle/>
+          <a:p>
+            <a:r>
+              <a:rPr lang="nl-NL" sz="2800" dirty="0" smtClean="0"/>
+              <a:t>17</a:t>
+            </a:r>
+            <a:endParaRPr lang="nl-NL" sz="2800" dirty="0"/>
+          </a:p>
+        </p:txBody>
+      </p:sp>
     </p:spTree>
     <p:extLst>
       <p:ext uri="{BB962C8B-B14F-4D97-AF65-F5344CB8AC3E}">
-        <p14:creationId xmlns:p14="http://schemas.microsoft.com/office/powerpoint/2010/main" val="3667387866"/>
+        <p14:creationId xmlns:p14="http://schemas.microsoft.com/office/powerpoint/2010/main" val="3229045114"/>
       </p:ext>
     </p:extLst>
   </p:cSld>
@@ -4421,7 +6439,7 @@
             <a:pPr algn="ctr"/>
             <a:r>
               <a:rPr lang="nl-NL" dirty="0" smtClean="0"/>
-              <a:t>Random – Brute force</a:t>
+              <a:t>Visualisatie</a:t>
             </a:r>
             <a:endParaRPr lang="nl-NL" dirty="0"/>
           </a:p>
@@ -4429,112 +6447,123 @@
       </p:sp>
       <p:pic>
         <p:nvPicPr>
-          <p:cNvPr id="5" name="Afbeelding 4"/>
+          <p:cNvPr id="4" name="Tijdelijke aanduiding voor inhoud 3"/>
+          <p:cNvPicPr>
+            <a:picLocks noGrp="1" noChangeAspect="1"/>
+          </p:cNvPicPr>
+          <p:nvPr>
+            <p:ph idx="1"/>
+          </p:nvPr>
+        </p:nvPicPr>
+        <p:blipFill>
+          <a:blip r:embed="rId2">
+            <a:extLst>
+              <a:ext uri="{28A0092B-C50C-407E-A947-70E740481C1C}">
+                <a14:useLocalDpi xmlns:a14="http://schemas.microsoft.com/office/drawing/2010/main" val="0"/>
+              </a:ext>
+            </a:extLst>
+          </a:blip>
+          <a:stretch>
+            <a:fillRect/>
+          </a:stretch>
+        </p:blipFill>
+        <p:spPr>
+          <a:xfrm>
+            <a:off x="4148032" y="2399666"/>
+            <a:ext cx="3895934" cy="3895934"/>
+          </a:xfrm>
+        </p:spPr>
+      </p:pic>
+      <p:sp>
+        <p:nvSpPr>
+          <p:cNvPr id="5" name="Tekstvak 4"/>
+          <p:cNvSpPr txBox="1"/>
+          <p:nvPr/>
+        </p:nvSpPr>
+        <p:spPr>
+          <a:xfrm>
+            <a:off x="5820924" y="1690688"/>
+            <a:ext cx="550151" cy="523220"/>
+          </a:xfrm>
+          <a:prstGeom prst="rect">
+            <a:avLst/>
+          </a:prstGeom>
+          <a:noFill/>
+        </p:spPr>
+        <p:txBody>
+          <a:bodyPr wrap="none" rtlCol="0">
+            <a:spAutoFit/>
+          </a:bodyPr>
+          <a:lstStyle/>
+          <a:p>
+            <a:r>
+              <a:rPr lang="nl-NL" sz="2800" dirty="0" smtClean="0"/>
+              <a:t>17</a:t>
+            </a:r>
+            <a:endParaRPr lang="nl-NL" sz="2800" dirty="0"/>
+          </a:p>
+        </p:txBody>
+      </p:sp>
+      <p:sp>
+        <p:nvSpPr>
+          <p:cNvPr id="6" name="Tekstvak 5"/>
+          <p:cNvSpPr txBox="1"/>
+          <p:nvPr/>
+        </p:nvSpPr>
+        <p:spPr>
+          <a:xfrm>
+            <a:off x="8211198" y="4086024"/>
+            <a:ext cx="550151" cy="523220"/>
+          </a:xfrm>
+          <a:prstGeom prst="rect">
+            <a:avLst/>
+          </a:prstGeom>
+          <a:noFill/>
+        </p:spPr>
+        <p:txBody>
+          <a:bodyPr wrap="none" rtlCol="0">
+            <a:spAutoFit/>
+          </a:bodyPr>
+          <a:lstStyle/>
+          <a:p>
+            <a:r>
+              <a:rPr lang="nl-NL" sz="2800" dirty="0" smtClean="0"/>
+              <a:t>17</a:t>
+            </a:r>
+            <a:endParaRPr lang="nl-NL" sz="2800" dirty="0"/>
+          </a:p>
+        </p:txBody>
+      </p:sp>
+      <p:pic>
+        <p:nvPicPr>
+          <p:cNvPr id="9" name="Afbeelding 8"/>
           <p:cNvPicPr>
             <a:picLocks noChangeAspect="1"/>
           </p:cNvPicPr>
           <p:nvPr/>
         </p:nvPicPr>
         <p:blipFill>
-          <a:blip r:embed="rId2"/>
+          <a:blip r:embed="rId3">
+            <a:extLst>
+              <a:ext uri="{28A0092B-C50C-407E-A947-70E740481C1C}">
+                <a14:useLocalDpi xmlns:a14="http://schemas.microsoft.com/office/drawing/2010/main" val="0"/>
+              </a:ext>
+            </a:extLst>
+          </a:blip>
           <a:stretch>
             <a:fillRect/>
           </a:stretch>
         </p:blipFill>
         <p:spPr>
           <a:xfrm>
-            <a:off x="621631" y="2158665"/>
-            <a:ext cx="3257550" cy="3257550"/>
+            <a:off x="4148032" y="2407180"/>
+            <a:ext cx="1591031" cy="1597143"/>
           </a:xfrm>
           <a:prstGeom prst="rect">
             <a:avLst/>
           </a:prstGeom>
         </p:spPr>
       </p:pic>
-      <p:sp>
-        <p:nvSpPr>
-          <p:cNvPr id="7" name="Tekstvak 6"/>
-          <p:cNvSpPr txBox="1"/>
-          <p:nvPr/>
-        </p:nvSpPr>
-        <p:spPr>
-          <a:xfrm>
-            <a:off x="1631030" y="5727032"/>
-            <a:ext cx="1238752" cy="369332"/>
-          </a:xfrm>
-          <a:prstGeom prst="rect">
-            <a:avLst/>
-          </a:prstGeom>
-          <a:noFill/>
-        </p:spPr>
-        <p:txBody>
-          <a:bodyPr wrap="square" rtlCol="0">
-            <a:spAutoFit/>
-          </a:bodyPr>
-          <a:lstStyle/>
-          <a:p>
-            <a:r>
-              <a:rPr lang="nl-NL" dirty="0" smtClean="0"/>
-              <a:t>Een 7 over</a:t>
-            </a:r>
-            <a:endParaRPr lang="nl-NL" dirty="0"/>
-          </a:p>
-        </p:txBody>
-      </p:sp>
-      <p:pic>
-        <p:nvPicPr>
-          <p:cNvPr id="8" name="Afbeelding 7"/>
-          <p:cNvPicPr>
-            <a:picLocks noChangeAspect="1"/>
-          </p:cNvPicPr>
-          <p:nvPr/>
-        </p:nvPicPr>
-        <p:blipFill>
-          <a:blip r:embed="rId3"/>
-          <a:stretch>
-            <a:fillRect/>
-          </a:stretch>
-        </p:blipFill>
-        <p:spPr>
-          <a:xfrm>
-            <a:off x="4431130" y="2158665"/>
-            <a:ext cx="3257550" cy="3257550"/>
-          </a:xfrm>
-          <a:prstGeom prst="rect">
-            <a:avLst/>
-          </a:prstGeom>
-        </p:spPr>
-      </p:pic>
-      <p:sp>
-        <p:nvSpPr>
-          <p:cNvPr id="9" name="Tekstvak 8"/>
-          <p:cNvSpPr txBox="1"/>
-          <p:nvPr/>
-        </p:nvSpPr>
-        <p:spPr>
-          <a:xfrm>
-            <a:off x="5504573" y="5727032"/>
-            <a:ext cx="1182854" cy="369332"/>
-          </a:xfrm>
-          <a:prstGeom prst="rect">
-            <a:avLst/>
-          </a:prstGeom>
-          <a:noFill/>
-        </p:spPr>
-        <p:txBody>
-          <a:bodyPr wrap="square" rtlCol="0">
-            <a:spAutoFit/>
-          </a:bodyPr>
-          <a:lstStyle/>
-          <a:p>
-            <a:r>
-              <a:rPr lang="nl-NL" dirty="0" smtClean="0"/>
-              <a:t>Een 3 over</a:t>
-            </a:r>
-            <a:endParaRPr lang="nl-NL" dirty="0"/>
-          </a:p>
-        </p:txBody>
-      </p:sp>
       <p:pic>
         <p:nvPicPr>
           <p:cNvPr id="10" name="Afbeelding 9"/>
@@ -4544,55 +6573,151 @@
           <p:nvPr/>
         </p:nvPicPr>
         <p:blipFill>
-          <a:blip r:embed="rId4"/>
+          <a:blip r:embed="rId4">
+            <a:extLst>
+              <a:ext uri="{28A0092B-C50C-407E-A947-70E740481C1C}">
+                <a14:useLocalDpi xmlns:a14="http://schemas.microsoft.com/office/drawing/2010/main" val="0"/>
+              </a:ext>
+            </a:extLst>
+          </a:blip>
           <a:stretch>
             <a:fillRect/>
           </a:stretch>
         </p:blipFill>
         <p:spPr>
           <a:xfrm>
-            <a:off x="8240630" y="2158665"/>
-            <a:ext cx="3248025" cy="3248025"/>
+            <a:off x="6205782" y="3552293"/>
+            <a:ext cx="1590681" cy="1590681"/>
           </a:xfrm>
           <a:prstGeom prst="rect">
             <a:avLst/>
           </a:prstGeom>
         </p:spPr>
       </p:pic>
-      <p:sp>
-        <p:nvSpPr>
-          <p:cNvPr id="11" name="Tekstvak 10"/>
-          <p:cNvSpPr txBox="1"/>
+      <p:pic>
+        <p:nvPicPr>
+          <p:cNvPr id="11" name="Afbeelding 10"/>
+          <p:cNvPicPr>
+            <a:picLocks noChangeAspect="1"/>
+          </p:cNvPicPr>
           <p:nvPr/>
-        </p:nvSpPr>
+        </p:nvPicPr>
+        <p:blipFill>
+          <a:blip r:embed="rId5">
+            <a:extLst>
+              <a:ext uri="{28A0092B-C50C-407E-A947-70E740481C1C}">
+                <a14:useLocalDpi xmlns:a14="http://schemas.microsoft.com/office/drawing/2010/main" val="0"/>
+              </a:ext>
+            </a:extLst>
+          </a:blip>
+          <a:stretch>
+            <a:fillRect/>
+          </a:stretch>
+        </p:blipFill>
         <p:spPr>
           <a:xfrm>
-            <a:off x="8814260" y="5727032"/>
-            <a:ext cx="2100763" cy="369332"/>
+            <a:off x="7098399" y="2598822"/>
+            <a:ext cx="704768" cy="737070"/>
           </a:xfrm>
           <a:prstGeom prst="rect">
             <a:avLst/>
           </a:prstGeom>
-          <a:noFill/>
-        </p:spPr>
-        <p:txBody>
-          <a:bodyPr wrap="square" rtlCol="0">
-            <a:spAutoFit/>
-          </a:bodyPr>
-          <a:lstStyle/>
-          <a:p>
-            <a:r>
-              <a:rPr lang="nl-NL" dirty="0" smtClean="0"/>
-              <a:t>Een 5 en een 7 over</a:t>
-            </a:r>
-            <a:endParaRPr lang="nl-NL" dirty="0"/>
-          </a:p>
-        </p:txBody>
-      </p:sp>
+        </p:spPr>
+      </p:pic>
+      <p:pic>
+        <p:nvPicPr>
+          <p:cNvPr id="12" name="Afbeelding 11"/>
+          <p:cNvPicPr>
+            <a:picLocks noChangeAspect="1"/>
+          </p:cNvPicPr>
+          <p:nvPr/>
+        </p:nvPicPr>
+        <p:blipFill>
+          <a:blip r:embed="rId6">
+            <a:extLst>
+              <a:ext uri="{28A0092B-C50C-407E-A947-70E740481C1C}">
+                <a14:useLocalDpi xmlns:a14="http://schemas.microsoft.com/office/drawing/2010/main" val="0"/>
+              </a:ext>
+            </a:extLst>
+          </a:blip>
+          <a:stretch>
+            <a:fillRect/>
+          </a:stretch>
+        </p:blipFill>
+        <p:spPr>
+          <a:xfrm>
+            <a:off x="5522494" y="5608980"/>
+            <a:ext cx="683287" cy="686620"/>
+          </a:xfrm>
+          <a:prstGeom prst="rect">
+            <a:avLst/>
+          </a:prstGeom>
+        </p:spPr>
+      </p:pic>
+      <p:pic>
+        <p:nvPicPr>
+          <p:cNvPr id="13" name="Afbeelding 12"/>
+          <p:cNvPicPr>
+            <a:picLocks noChangeAspect="1"/>
+          </p:cNvPicPr>
+          <p:nvPr/>
+        </p:nvPicPr>
+        <p:blipFill>
+          <a:blip r:embed="rId7">
+            <a:extLst>
+              <a:ext uri="{28A0092B-C50C-407E-A947-70E740481C1C}">
+                <a14:useLocalDpi xmlns:a14="http://schemas.microsoft.com/office/drawing/2010/main" val="0"/>
+              </a:ext>
+            </a:extLst>
+          </a:blip>
+          <a:stretch>
+            <a:fillRect/>
+          </a:stretch>
+        </p:blipFill>
+        <p:spPr>
+          <a:xfrm>
+            <a:off x="7098399" y="5608980"/>
+            <a:ext cx="698064" cy="686620"/>
+          </a:xfrm>
+          <a:prstGeom prst="rect">
+            <a:avLst/>
+          </a:prstGeom>
+        </p:spPr>
+      </p:pic>
+      <p:pic>
+        <p:nvPicPr>
+          <p:cNvPr id="14" name="Afbeelding 13"/>
+          <p:cNvPicPr>
+            <a:picLocks noChangeAspect="1"/>
+          </p:cNvPicPr>
+          <p:nvPr/>
+        </p:nvPicPr>
+        <p:blipFill>
+          <a:blip r:embed="rId8">
+            <a:extLst>
+              <a:ext uri="{28A0092B-C50C-407E-A947-70E740481C1C}">
+                <a14:useLocalDpi xmlns:a14="http://schemas.microsoft.com/office/drawing/2010/main" val="0"/>
+              </a:ext>
+            </a:extLst>
+          </a:blip>
+          <a:stretch>
+            <a:fillRect/>
+          </a:stretch>
+        </p:blipFill>
+        <p:spPr>
+          <a:xfrm>
+            <a:off x="4394616" y="4229813"/>
+            <a:ext cx="1127878" cy="1146164"/>
+          </a:xfrm>
+          <a:prstGeom prst="rect">
+            <a:avLst/>
+          </a:prstGeom>
+        </p:spPr>
+      </p:pic>
     </p:spTree>
     <p:extLst>
       <p:ext uri="{BB962C8B-B14F-4D97-AF65-F5344CB8AC3E}">
-        <p14:creationId xmlns:p14="http://schemas.microsoft.com/office/powerpoint/2010/main" val="522646866"/>
+        <p14:creationId xmlns:p14="http://schemas.microsoft.com/office/powerpoint/2010/main" val="1749897644"/>
       </p:ext>
     </p:extLst>
   </p:cSld>
@@ -4644,6 +6769,229 @@
             <a:pPr algn="ctr"/>
             <a:r>
               <a:rPr lang="nl-NL" dirty="0" smtClean="0"/>
+              <a:t>Random – Brute force</a:t>
+            </a:r>
+            <a:endParaRPr lang="nl-NL" dirty="0"/>
+          </a:p>
+        </p:txBody>
+      </p:sp>
+      <p:pic>
+        <p:nvPicPr>
+          <p:cNvPr id="5" name="Afbeelding 4"/>
+          <p:cNvPicPr>
+            <a:picLocks noChangeAspect="1"/>
+          </p:cNvPicPr>
+          <p:nvPr/>
+        </p:nvPicPr>
+        <p:blipFill>
+          <a:blip r:embed="rId2"/>
+          <a:stretch>
+            <a:fillRect/>
+          </a:stretch>
+        </p:blipFill>
+        <p:spPr>
+          <a:xfrm>
+            <a:off x="621631" y="2158665"/>
+            <a:ext cx="3257550" cy="3257550"/>
+          </a:xfrm>
+          <a:prstGeom prst="rect">
+            <a:avLst/>
+          </a:prstGeom>
+        </p:spPr>
+      </p:pic>
+      <p:sp>
+        <p:nvSpPr>
+          <p:cNvPr id="7" name="Tekstvak 6"/>
+          <p:cNvSpPr txBox="1"/>
+          <p:nvPr/>
+        </p:nvSpPr>
+        <p:spPr>
+          <a:xfrm>
+            <a:off x="1631030" y="5727032"/>
+            <a:ext cx="1238752" cy="369332"/>
+          </a:xfrm>
+          <a:prstGeom prst="rect">
+            <a:avLst/>
+          </a:prstGeom>
+          <a:noFill/>
+        </p:spPr>
+        <p:txBody>
+          <a:bodyPr wrap="square" rtlCol="0">
+            <a:spAutoFit/>
+          </a:bodyPr>
+          <a:lstStyle/>
+          <a:p>
+            <a:r>
+              <a:rPr lang="nl-NL" dirty="0" smtClean="0"/>
+              <a:t>Een 7 over</a:t>
+            </a:r>
+            <a:endParaRPr lang="nl-NL" dirty="0"/>
+          </a:p>
+        </p:txBody>
+      </p:sp>
+      <p:pic>
+        <p:nvPicPr>
+          <p:cNvPr id="8" name="Afbeelding 7"/>
+          <p:cNvPicPr>
+            <a:picLocks noChangeAspect="1"/>
+          </p:cNvPicPr>
+          <p:nvPr/>
+        </p:nvPicPr>
+        <p:blipFill>
+          <a:blip r:embed="rId3"/>
+          <a:stretch>
+            <a:fillRect/>
+          </a:stretch>
+        </p:blipFill>
+        <p:spPr>
+          <a:xfrm>
+            <a:off x="4431130" y="2158665"/>
+            <a:ext cx="3257550" cy="3257550"/>
+          </a:xfrm>
+          <a:prstGeom prst="rect">
+            <a:avLst/>
+          </a:prstGeom>
+        </p:spPr>
+      </p:pic>
+      <p:sp>
+        <p:nvSpPr>
+          <p:cNvPr id="9" name="Tekstvak 8"/>
+          <p:cNvSpPr txBox="1"/>
+          <p:nvPr/>
+        </p:nvSpPr>
+        <p:spPr>
+          <a:xfrm>
+            <a:off x="5504573" y="5727032"/>
+            <a:ext cx="1182854" cy="369332"/>
+          </a:xfrm>
+          <a:prstGeom prst="rect">
+            <a:avLst/>
+          </a:prstGeom>
+          <a:noFill/>
+        </p:spPr>
+        <p:txBody>
+          <a:bodyPr wrap="square" rtlCol="0">
+            <a:spAutoFit/>
+          </a:bodyPr>
+          <a:lstStyle/>
+          <a:p>
+            <a:r>
+              <a:rPr lang="nl-NL" dirty="0" smtClean="0"/>
+              <a:t>Een 3 over</a:t>
+            </a:r>
+            <a:endParaRPr lang="nl-NL" dirty="0"/>
+          </a:p>
+        </p:txBody>
+      </p:sp>
+      <p:pic>
+        <p:nvPicPr>
+          <p:cNvPr id="10" name="Afbeelding 9"/>
+          <p:cNvPicPr>
+            <a:picLocks noChangeAspect="1"/>
+          </p:cNvPicPr>
+          <p:nvPr/>
+        </p:nvPicPr>
+        <p:blipFill>
+          <a:blip r:embed="rId4"/>
+          <a:stretch>
+            <a:fillRect/>
+          </a:stretch>
+        </p:blipFill>
+        <p:spPr>
+          <a:xfrm>
+            <a:off x="8240630" y="2158665"/>
+            <a:ext cx="3248025" cy="3248025"/>
+          </a:xfrm>
+          <a:prstGeom prst="rect">
+            <a:avLst/>
+          </a:prstGeom>
+        </p:spPr>
+      </p:pic>
+      <p:sp>
+        <p:nvSpPr>
+          <p:cNvPr id="11" name="Tekstvak 10"/>
+          <p:cNvSpPr txBox="1"/>
+          <p:nvPr/>
+        </p:nvSpPr>
+        <p:spPr>
+          <a:xfrm>
+            <a:off x="8814260" y="5727032"/>
+            <a:ext cx="2100763" cy="369332"/>
+          </a:xfrm>
+          <a:prstGeom prst="rect">
+            <a:avLst/>
+          </a:prstGeom>
+          <a:noFill/>
+        </p:spPr>
+        <p:txBody>
+          <a:bodyPr wrap="square" rtlCol="0">
+            <a:spAutoFit/>
+          </a:bodyPr>
+          <a:lstStyle/>
+          <a:p>
+            <a:r>
+              <a:rPr lang="nl-NL" dirty="0" smtClean="0"/>
+              <a:t>Een 5 en een 7 over</a:t>
+            </a:r>
+            <a:endParaRPr lang="nl-NL" dirty="0"/>
+          </a:p>
+        </p:txBody>
+      </p:sp>
+    </p:spTree>
+    <p:extLst>
+      <p:ext uri="{BB962C8B-B14F-4D97-AF65-F5344CB8AC3E}">
+        <p14:creationId xmlns:p14="http://schemas.microsoft.com/office/powerpoint/2010/main" val="522646866"/>
+      </p:ext>
+    </p:extLst>
+  </p:cSld>
+  <p:clrMapOvr>
+    <a:masterClrMapping/>
+  </p:clrMapOvr>
+  <p:timing>
+    <p:tnLst>
+      <p:par>
+        <p:cTn id="1" dur="indefinite" restart="never" nodeType="tmRoot"/>
+      </p:par>
+    </p:tnLst>
+  </p:timing>
+</p:sld>
+</file>
+
+<file path=ppt/slides/slide7.xml><?xml version="1.0" encoding="utf-8"?>
+<p:sld xmlns:a="http://schemas.openxmlformats.org/drawingml/2006/main" xmlns:r="http://schemas.openxmlformats.org/officeDocument/2006/relationships" xmlns:p="http://schemas.openxmlformats.org/presentationml/2006/main">
+  <p:cSld>
+    <p:spTree>
+      <p:nvGrpSpPr>
+        <p:cNvPr id="1" name=""/>
+        <p:cNvGrpSpPr/>
+        <p:nvPr/>
+      </p:nvGrpSpPr>
+      <p:grpSpPr>
+        <a:xfrm>
+          <a:off x="0" y="0"/>
+          <a:ext cx="0" cy="0"/>
+          <a:chOff x="0" y="0"/>
+          <a:chExt cx="0" cy="0"/>
+        </a:xfrm>
+      </p:grpSpPr>
+      <p:sp>
+        <p:nvSpPr>
+          <p:cNvPr id="2" name="Titel 1"/>
+          <p:cNvSpPr>
+            <a:spLocks noGrp="1"/>
+          </p:cNvSpPr>
+          <p:nvPr>
+            <p:ph type="title"/>
+          </p:nvPr>
+        </p:nvSpPr>
+        <p:spPr/>
+        <p:txBody>
+          <a:bodyPr/>
+          <a:lstStyle/>
+          <a:p>
+            <a:pPr algn="ctr"/>
+            <a:r>
+              <a:rPr lang="nl-NL" dirty="0" smtClean="0"/>
               <a:t>Random – brute force</a:t>
             </a:r>
             <a:endParaRPr lang="nl-NL" dirty="0"/>
@@ -4745,7 +7093,7 @@
 </p:sld>
 </file>
 
-<file path=ppt/slides/slide7.xml><?xml version="1.0" encoding="utf-8"?>
+<file path=ppt/slides/slide8.xml><?xml version="1.0" encoding="utf-8"?>
 <p:sld xmlns:a="http://schemas.openxmlformats.org/drawingml/2006/main" xmlns:r="http://schemas.openxmlformats.org/officeDocument/2006/relationships" xmlns:p="http://schemas.openxmlformats.org/presentationml/2006/main">
   <p:cSld>
     <p:spTree>
@@ -5804,7 +8152,7 @@
 </p:sld>
 </file>
 
-<file path=ppt/slides/slide8.xml><?xml version="1.0" encoding="utf-8"?>
+<file path=ppt/slides/slide9.xml><?xml version="1.0" encoding="utf-8"?>
 <p:sld xmlns:a="http://schemas.openxmlformats.org/drawingml/2006/main" xmlns:r="http://schemas.openxmlformats.org/officeDocument/2006/relationships" xmlns:p="http://schemas.openxmlformats.org/presentationml/2006/main">
   <p:cSld>
     <p:spTree>
@@ -5865,8 +8213,8 @@
         </p:nvSpPr>
         <p:spPr>
           <a:xfrm>
-            <a:off x="1211180" y="3804423"/>
-            <a:ext cx="4395537" cy="676943"/>
+            <a:off x="1211180" y="2021305"/>
+            <a:ext cx="4395537" cy="4367463"/>
           </a:xfrm>
         </p:spPr>
         <p:txBody>
@@ -5880,8 +8228,86 @@
             </a:pPr>
             <a:r>
               <a:rPr lang="nl-NL" sz="3600" dirty="0" smtClean="0"/>
-              <a:t>Tijd: Instantaan</a:t>
-            </a:r>
+              <a:t>Tijd: </a:t>
+            </a:r>
+            <a:r>
+              <a:rPr lang="nl-NL" sz="3600" dirty="0" smtClean="0"/>
+              <a:t>Instantaan</a:t>
+            </a:r>
+          </a:p>
+          <a:p>
+            <a:pPr marL="0" indent="0">
+              <a:buNone/>
+            </a:pPr>
+            <a:endParaRPr lang="nl-NL" sz="3600" dirty="0" smtClean="0"/>
+          </a:p>
+          <a:p>
+            <a:pPr marL="0" indent="0">
+              <a:buNone/>
+            </a:pPr>
+            <a:r>
+              <a:rPr lang="nl-NL" sz="3600" dirty="0" smtClean="0"/>
+              <a:t>Iteraties met draaien:</a:t>
+            </a:r>
+          </a:p>
+          <a:p>
+            <a:pPr marL="0" indent="0">
+              <a:buNone/>
+            </a:pPr>
+            <a:r>
+              <a:rPr lang="nl-NL" sz="3600" dirty="0" smtClean="0"/>
+              <a:t>929</a:t>
+            </a:r>
+          </a:p>
+          <a:p>
+            <a:pPr marL="0" indent="0">
+              <a:buNone/>
+            </a:pPr>
+            <a:endParaRPr lang="nl-NL" sz="3600" dirty="0"/>
+          </a:p>
+          <a:p>
+            <a:pPr marL="0" indent="0">
+              <a:buNone/>
+            </a:pPr>
+            <a:r>
+              <a:rPr lang="nl-NL" sz="3600" dirty="0" smtClean="0"/>
+              <a:t>24 oplossingen</a:t>
+            </a:r>
+          </a:p>
+          <a:p>
+            <a:pPr marL="0" indent="0">
+              <a:buNone/>
+            </a:pPr>
+            <a:endParaRPr lang="nl-NL" sz="3600" dirty="0"/>
+          </a:p>
+          <a:p>
+            <a:pPr marL="0" indent="0">
+              <a:buNone/>
+            </a:pPr>
+            <a:endParaRPr lang="nl-NL" sz="3600" dirty="0" smtClean="0"/>
+          </a:p>
+          <a:p>
+            <a:pPr marL="0" indent="0">
+              <a:buNone/>
+            </a:pPr>
+            <a:endParaRPr lang="nl-NL" sz="3600" dirty="0" smtClean="0"/>
+          </a:p>
+          <a:p>
+            <a:pPr marL="0" indent="0">
+              <a:buNone/>
+            </a:pPr>
+            <a:endParaRPr lang="nl-NL" sz="3600" dirty="0"/>
+          </a:p>
+          <a:p>
+            <a:pPr marL="0" indent="0">
+              <a:buNone/>
+            </a:pPr>
+            <a:endParaRPr lang="nl-NL" sz="3600" dirty="0" smtClean="0"/>
+          </a:p>
+          <a:p>
+            <a:pPr marL="0" indent="0">
+              <a:buNone/>
+            </a:pPr>
             <a:endParaRPr lang="nl-NL" sz="3600" dirty="0"/>
           </a:p>
         </p:txBody>
@@ -5950,168 +8376,6 @@
     <p:extLst>
       <p:ext uri="{BB962C8B-B14F-4D97-AF65-F5344CB8AC3E}">
         <p14:creationId xmlns:p14="http://schemas.microsoft.com/office/powerpoint/2010/main" val="352681742"/>
-      </p:ext>
-    </p:extLst>
-  </p:cSld>
-  <p:clrMapOvr>
-    <a:masterClrMapping/>
-  </p:clrMapOvr>
-  <p:timing>
-    <p:tnLst>
-      <p:par>
-        <p:cTn id="1" dur="indefinite" restart="never" nodeType="tmRoot"/>
-      </p:par>
-    </p:tnLst>
-  </p:timing>
-</p:sld>
-</file>
-
-<file path=ppt/slides/slide9.xml><?xml version="1.0" encoding="utf-8"?>
-<p:sld xmlns:a="http://schemas.openxmlformats.org/drawingml/2006/main" xmlns:r="http://schemas.openxmlformats.org/officeDocument/2006/relationships" xmlns:p="http://schemas.openxmlformats.org/presentationml/2006/main">
-  <p:cSld>
-    <p:spTree>
-      <p:nvGrpSpPr>
-        <p:cNvPr id="1" name=""/>
-        <p:cNvGrpSpPr/>
-        <p:nvPr/>
-      </p:nvGrpSpPr>
-      <p:grpSpPr>
-        <a:xfrm>
-          <a:off x="0" y="0"/>
-          <a:ext cx="0" cy="0"/>
-          <a:chOff x="0" y="0"/>
-          <a:chExt cx="0" cy="0"/>
-        </a:xfrm>
-      </p:grpSpPr>
-      <p:sp>
-        <p:nvSpPr>
-          <p:cNvPr id="2" name="Titel 1"/>
-          <p:cNvSpPr>
-            <a:spLocks noGrp="1"/>
-          </p:cNvSpPr>
-          <p:nvPr>
-            <p:ph type="title"/>
-          </p:nvPr>
-        </p:nvSpPr>
-        <p:spPr/>
-        <p:txBody>
-          <a:bodyPr/>
-          <a:lstStyle/>
-          <a:p>
-            <a:pPr algn="ctr"/>
-            <a:r>
-              <a:rPr lang="nl-NL" dirty="0" smtClean="0"/>
-              <a:t>Oplossing bord 2 – </a:t>
-            </a:r>
-            <a:r>
-              <a:rPr lang="nl-NL" dirty="0" err="1" smtClean="0"/>
-              <a:t>depth</a:t>
-            </a:r>
-            <a:r>
-              <a:rPr lang="nl-NL" dirty="0" smtClean="0"/>
-              <a:t> first</a:t>
-            </a:r>
-            <a:endParaRPr lang="nl-NL" dirty="0"/>
-          </a:p>
-        </p:txBody>
-      </p:sp>
-      <p:sp>
-        <p:nvSpPr>
-          <p:cNvPr id="3" name="Tijdelijke aanduiding voor inhoud 2"/>
-          <p:cNvSpPr>
-            <a:spLocks noGrp="1"/>
-          </p:cNvSpPr>
-          <p:nvPr>
-            <p:ph idx="1"/>
-          </p:nvPr>
-        </p:nvSpPr>
-        <p:spPr>
-          <a:xfrm>
-            <a:off x="1269332" y="3482750"/>
-            <a:ext cx="4395537" cy="676943"/>
-          </a:xfrm>
-        </p:spPr>
-        <p:txBody>
-          <a:bodyPr>
-            <a:normAutofit/>
-          </a:bodyPr>
-          <a:lstStyle/>
-          <a:p>
-            <a:pPr marL="0" indent="0">
-              <a:buNone/>
-            </a:pPr>
-            <a:r>
-              <a:rPr lang="nl-NL" sz="3600" dirty="0" smtClean="0"/>
-              <a:t>Tijd: 16 seconden</a:t>
-            </a:r>
-            <a:endParaRPr lang="nl-NL" sz="3600" dirty="0"/>
-          </a:p>
-        </p:txBody>
-      </p:sp>
-      <p:pic>
-        <p:nvPicPr>
-          <p:cNvPr id="6" name="Afbeelding 5"/>
-          <p:cNvPicPr>
-            <a:picLocks noChangeAspect="1"/>
-          </p:cNvPicPr>
-          <p:nvPr/>
-        </p:nvPicPr>
-        <p:blipFill>
-          <a:blip r:embed="rId2">
-            <a:extLst>
-              <a:ext uri="{28A0092B-C50C-407E-A947-70E740481C1C}">
-                <a14:useLocalDpi xmlns:a14="http://schemas.microsoft.com/office/drawing/2010/main" val="0"/>
-              </a:ext>
-            </a:extLst>
-          </a:blip>
-          <a:stretch>
-            <a:fillRect/>
-          </a:stretch>
-        </p:blipFill>
-        <p:spPr>
-          <a:xfrm>
-            <a:off x="6096000" y="1552433"/>
-            <a:ext cx="4936958" cy="4965945"/>
-          </a:xfrm>
-          <a:prstGeom prst="rect">
-            <a:avLst/>
-          </a:prstGeom>
-        </p:spPr>
-      </p:pic>
-      <p:pic>
-        <p:nvPicPr>
-          <p:cNvPr id="7" name="Afbeelding 6"/>
-          <p:cNvPicPr>
-            <a:picLocks noChangeAspect="1"/>
-          </p:cNvPicPr>
-          <p:nvPr/>
-        </p:nvPicPr>
-        <p:blipFill>
-          <a:blip r:embed="rId3" cstate="print">
-            <a:extLst>
-              <a:ext uri="{28A0092B-C50C-407E-A947-70E740481C1C}">
-                <a14:useLocalDpi xmlns:a14="http://schemas.microsoft.com/office/drawing/2010/main" val="0"/>
-              </a:ext>
-            </a:extLst>
-          </a:blip>
-          <a:stretch>
-            <a:fillRect/>
-          </a:stretch>
-        </p:blipFill>
-        <p:spPr>
-          <a:xfrm>
-            <a:off x="7578263" y="2357406"/>
-            <a:ext cx="1911130" cy="2250689"/>
-          </a:xfrm>
-          <a:prstGeom prst="rect">
-            <a:avLst/>
-          </a:prstGeom>
-        </p:spPr>
-      </p:pic>
-    </p:spTree>
-    <p:extLst>
-      <p:ext uri="{BB962C8B-B14F-4D97-AF65-F5344CB8AC3E}">
-        <p14:creationId xmlns:p14="http://schemas.microsoft.com/office/powerpoint/2010/main" val="710878558"/>
       </p:ext>
     </p:extLst>
   </p:cSld>
@@ -6383,7 +8647,268 @@
   <a:extraClrSchemeLst/>
   <a:extLst>
     <a:ext uri="{05A4C25C-085E-4340-85A3-A5531E510DB2}">
-      <thm15:themeFamily xmlns:thm15="http://schemas.microsoft.com/office/thememl/2012/main" xmlns="" name="Office Theme" id="{62F939B6-93AF-4DB8-9C6B-D6C7DFDC589F}" vid="{4F46216B-77A9-411A-B9D3-5023FCB70208}"/>
+      <thm15:themeFamily xmlns:thm15="http://schemas.microsoft.com/office/thememl/2012/main" name="Office Theme" id="{62F939B6-93AF-4DB8-9C6B-D6C7DFDC589F}" vid="{4F46216B-77A9-411A-B9D3-5023FCB70208}"/>
+    </a:ext>
+  </a:extLst>
+</a:theme>
+</file>
+
+<file path=ppt/theme/theme2.xml><?xml version="1.0" encoding="utf-8"?>
+<a:theme xmlns:a="http://schemas.openxmlformats.org/drawingml/2006/main" name="Kantoorthema">
+  <a:themeElements>
+    <a:clrScheme name="Kantoor">
+      <a:dk1>
+        <a:sysClr val="windowText" lastClr="000000"/>
+      </a:dk1>
+      <a:lt1>
+        <a:sysClr val="window" lastClr="FFFFFF"/>
+      </a:lt1>
+      <a:dk2>
+        <a:srgbClr val="44546A"/>
+      </a:dk2>
+      <a:lt2>
+        <a:srgbClr val="E7E6E6"/>
+      </a:lt2>
+      <a:accent1>
+        <a:srgbClr val="5B9BD5"/>
+      </a:accent1>
+      <a:accent2>
+        <a:srgbClr val="ED7D31"/>
+      </a:accent2>
+      <a:accent3>
+        <a:srgbClr val="A5A5A5"/>
+      </a:accent3>
+      <a:accent4>
+        <a:srgbClr val="FFC000"/>
+      </a:accent4>
+      <a:accent5>
+        <a:srgbClr val="4472C4"/>
+      </a:accent5>
+      <a:accent6>
+        <a:srgbClr val="70AD47"/>
+      </a:accent6>
+      <a:hlink>
+        <a:srgbClr val="0563C1"/>
+      </a:hlink>
+      <a:folHlink>
+        <a:srgbClr val="954F72"/>
+      </a:folHlink>
+    </a:clrScheme>
+    <a:fontScheme name="Kantoor">
+      <a:majorFont>
+        <a:latin typeface="Calibri Light" panose="020F0302020204030204"/>
+        <a:ea typeface=""/>
+        <a:cs typeface=""/>
+        <a:font script="Jpan" typeface="ＭＳ Ｐゴシック"/>
+        <a:font script="Hang" typeface="맑은 고딕"/>
+        <a:font script="Hans" typeface="宋体"/>
+        <a:font script="Hant" typeface="新細明體"/>
+        <a:font script="Arab" typeface="Times New Roman"/>
+        <a:font script="Hebr" typeface="Times New Roman"/>
+        <a:font script="Thai" typeface="Angsana New"/>
+        <a:font script="Ethi" typeface="Nyala"/>
+        <a:font script="Beng" typeface="Vrinda"/>
+        <a:font script="Gujr" typeface="Shruti"/>
+        <a:font script="Khmr" typeface="MoolBoran"/>
+        <a:font script="Knda" typeface="Tunga"/>
+        <a:font script="Guru" typeface="Raavi"/>
+        <a:font script="Cans" typeface="Euphemia"/>
+        <a:font script="Cher" typeface="Plantagenet Cherokee"/>
+        <a:font script="Yiii" typeface="Microsoft Yi Baiti"/>
+        <a:font script="Tibt" typeface="Microsoft Himalaya"/>
+        <a:font script="Thaa" typeface="MV Boli"/>
+        <a:font script="Deva" typeface="Mangal"/>
+        <a:font script="Telu" typeface="Gautami"/>
+        <a:font script="Taml" typeface="Latha"/>
+        <a:font script="Syrc" typeface="Estrangelo Edessa"/>
+        <a:font script="Orya" typeface="Kalinga"/>
+        <a:font script="Mlym" typeface="Kartika"/>
+        <a:font script="Laoo" typeface="DokChampa"/>
+        <a:font script="Sinh" typeface="Iskoola Pota"/>
+        <a:font script="Mong" typeface="Mongolian Baiti"/>
+        <a:font script="Viet" typeface="Times New Roman"/>
+        <a:font script="Uigh" typeface="Microsoft Uighur"/>
+        <a:font script="Geor" typeface="Sylfaen"/>
+      </a:majorFont>
+      <a:minorFont>
+        <a:latin typeface="Calibri" panose="020F0502020204030204"/>
+        <a:ea typeface=""/>
+        <a:cs typeface=""/>
+        <a:font script="Jpan" typeface="ＭＳ Ｐゴシック"/>
+        <a:font script="Hang" typeface="맑은 고딕"/>
+        <a:font script="Hans" typeface="宋体"/>
+        <a:font script="Hant" typeface="新細明體"/>
+        <a:font script="Arab" typeface="Arial"/>
+        <a:font script="Hebr" typeface="Arial"/>
+        <a:font script="Thai" typeface="Cordia New"/>
+        <a:font script="Ethi" typeface="Nyala"/>
+        <a:font script="Beng" typeface="Vrinda"/>
+        <a:font script="Gujr" typeface="Shruti"/>
+        <a:font script="Khmr" typeface="DaunPenh"/>
+        <a:font script="Knda" typeface="Tunga"/>
+        <a:font script="Guru" typeface="Raavi"/>
+        <a:font script="Cans" typeface="Euphemia"/>
+        <a:font script="Cher" typeface="Plantagenet Cherokee"/>
+        <a:font script="Yiii" typeface="Microsoft Yi Baiti"/>
+        <a:font script="Tibt" typeface="Microsoft Himalaya"/>
+        <a:font script="Thaa" typeface="MV Boli"/>
+        <a:font script="Deva" typeface="Mangal"/>
+        <a:font script="Telu" typeface="Gautami"/>
+        <a:font script="Taml" typeface="Latha"/>
+        <a:font script="Syrc" typeface="Estrangelo Edessa"/>
+        <a:font script="Orya" typeface="Kalinga"/>
+        <a:font script="Mlym" typeface="Kartika"/>
+        <a:font script="Laoo" typeface="DokChampa"/>
+        <a:font script="Sinh" typeface="Iskoola Pota"/>
+        <a:font script="Mong" typeface="Mongolian Baiti"/>
+        <a:font script="Viet" typeface="Arial"/>
+        <a:font script="Uigh" typeface="Microsoft Uighur"/>
+        <a:font script="Geor" typeface="Sylfaen"/>
+      </a:minorFont>
+    </a:fontScheme>
+    <a:fmtScheme name="Kantoor">
+      <a:fillStyleLst>
+        <a:solidFill>
+          <a:schemeClr val="phClr"/>
+        </a:solidFill>
+        <a:gradFill rotWithShape="1">
+          <a:gsLst>
+            <a:gs pos="0">
+              <a:schemeClr val="phClr">
+                <a:lumMod val="110000"/>
+                <a:satMod val="105000"/>
+                <a:tint val="67000"/>
+              </a:schemeClr>
+            </a:gs>
+            <a:gs pos="50000">
+              <a:schemeClr val="phClr">
+                <a:lumMod val="105000"/>
+                <a:satMod val="103000"/>
+                <a:tint val="73000"/>
+              </a:schemeClr>
+            </a:gs>
+            <a:gs pos="100000">
+              <a:schemeClr val="phClr">
+                <a:lumMod val="105000"/>
+                <a:satMod val="109000"/>
+                <a:tint val="81000"/>
+              </a:schemeClr>
+            </a:gs>
+          </a:gsLst>
+          <a:lin ang="5400000" scaled="0"/>
+        </a:gradFill>
+        <a:gradFill rotWithShape="1">
+          <a:gsLst>
+            <a:gs pos="0">
+              <a:schemeClr val="phClr">
+                <a:satMod val="103000"/>
+                <a:lumMod val="102000"/>
+                <a:tint val="94000"/>
+              </a:schemeClr>
+            </a:gs>
+            <a:gs pos="50000">
+              <a:schemeClr val="phClr">
+                <a:satMod val="110000"/>
+                <a:lumMod val="100000"/>
+                <a:shade val="100000"/>
+              </a:schemeClr>
+            </a:gs>
+            <a:gs pos="100000">
+              <a:schemeClr val="phClr">
+                <a:lumMod val="99000"/>
+                <a:satMod val="120000"/>
+                <a:shade val="78000"/>
+              </a:schemeClr>
+            </a:gs>
+          </a:gsLst>
+          <a:lin ang="5400000" scaled="0"/>
+        </a:gradFill>
+      </a:fillStyleLst>
+      <a:lnStyleLst>
+        <a:ln w="6350" cap="flat" cmpd="sng" algn="ctr">
+          <a:solidFill>
+            <a:schemeClr val="phClr"/>
+          </a:solidFill>
+          <a:prstDash val="solid"/>
+          <a:miter lim="800000"/>
+        </a:ln>
+        <a:ln w="12700" cap="flat" cmpd="sng" algn="ctr">
+          <a:solidFill>
+            <a:schemeClr val="phClr"/>
+          </a:solidFill>
+          <a:prstDash val="solid"/>
+          <a:miter lim="800000"/>
+        </a:ln>
+        <a:ln w="19050" cap="flat" cmpd="sng" algn="ctr">
+          <a:solidFill>
+            <a:schemeClr val="phClr"/>
+          </a:solidFill>
+          <a:prstDash val="solid"/>
+          <a:miter lim="800000"/>
+        </a:ln>
+      </a:lnStyleLst>
+      <a:effectStyleLst>
+        <a:effectStyle>
+          <a:effectLst/>
+        </a:effectStyle>
+        <a:effectStyle>
+          <a:effectLst/>
+        </a:effectStyle>
+        <a:effectStyle>
+          <a:effectLst>
+            <a:outerShdw blurRad="57150" dist="19050" dir="5400000" algn="ctr" rotWithShape="0">
+              <a:srgbClr val="000000">
+                <a:alpha val="63000"/>
+              </a:srgbClr>
+            </a:outerShdw>
+          </a:effectLst>
+        </a:effectStyle>
+      </a:effectStyleLst>
+      <a:bgFillStyleLst>
+        <a:solidFill>
+          <a:schemeClr val="phClr"/>
+        </a:solidFill>
+        <a:solidFill>
+          <a:schemeClr val="phClr">
+            <a:tint val="95000"/>
+            <a:satMod val="170000"/>
+          </a:schemeClr>
+        </a:solidFill>
+        <a:gradFill rotWithShape="1">
+          <a:gsLst>
+            <a:gs pos="0">
+              <a:schemeClr val="phClr">
+                <a:tint val="93000"/>
+                <a:satMod val="150000"/>
+                <a:shade val="98000"/>
+                <a:lumMod val="102000"/>
+              </a:schemeClr>
+            </a:gs>
+            <a:gs pos="50000">
+              <a:schemeClr val="phClr">
+                <a:tint val="98000"/>
+                <a:satMod val="130000"/>
+                <a:shade val="90000"/>
+                <a:lumMod val="103000"/>
+              </a:schemeClr>
+            </a:gs>
+            <a:gs pos="100000">
+              <a:schemeClr val="phClr">
+                <a:shade val="63000"/>
+                <a:satMod val="120000"/>
+              </a:schemeClr>
+            </a:gs>
+          </a:gsLst>
+          <a:lin ang="5400000" scaled="0"/>
+        </a:gradFill>
+      </a:bgFillStyleLst>
+    </a:fmtScheme>
+  </a:themeElements>
+  <a:objectDefaults/>
+  <a:extraClrSchemeLst/>
+  <a:extLst>
+    <a:ext uri="{05A4C25C-085E-4340-85A3-A5531E510DB2}">
+      <thm15:themeFamily xmlns:thm15="http://schemas.microsoft.com/office/thememl/2012/main" name="Office Theme" id="{62F939B6-93AF-4DB8-9C6B-D6C7DFDC589F}" vid="{4A3C46E8-61CC-4603-A589-7422A47A8E4A}"/>
     </a:ext>
   </a:extLst>
 </a:theme>
